--- a/Manual - AFM (home-build).pptx
+++ b/Manual - AFM (home-build).pptx
@@ -10,6 +10,17 @@
     <p:sldId id="259" r:id="rId4"/>
     <p:sldId id="260" r:id="rId5"/>
     <p:sldId id="258" r:id="rId6"/>
+    <p:sldId id="261" r:id="rId7"/>
+    <p:sldId id="262" r:id="rId8"/>
+    <p:sldId id="263" r:id="rId9"/>
+    <p:sldId id="264" r:id="rId10"/>
+    <p:sldId id="265" r:id="rId11"/>
+    <p:sldId id="266" r:id="rId12"/>
+    <p:sldId id="267" r:id="rId13"/>
+    <p:sldId id="268" r:id="rId14"/>
+    <p:sldId id="269" r:id="rId15"/>
+    <p:sldId id="270" r:id="rId16"/>
+    <p:sldId id="271" r:id="rId17"/>
   </p:sldIdLst>
   <p:sldSz cx="12192000" cy="6858000"/>
   <p:notesSz cx="6858000" cy="9144000"/>
@@ -108,6 +119,11 @@
       </a:defRPr>
     </a:lvl9pPr>
   </p:defaultTextStyle>
+  <p:extLst>
+    <p:ext uri="{EFAFB233-063F-42B5-8137-9DF3F51BA10A}">
+      <p15:sldGuideLst xmlns:p15="http://schemas.microsoft.com/office/powerpoint/2012/main"/>
+    </p:ext>
+  </p:extLst>
 </p:presentation>
 </file>
 
@@ -156,7 +172,6 @@
               <a:rPr lang="en-US"/>
               <a:t>Click to edit Master title style</a:t>
             </a:r>
-            <a:endParaRPr lang="en-US"/>
           </a:p>
         </p:txBody>
       </p:sp>
@@ -221,7 +236,6 @@
               <a:rPr lang="en-US"/>
               <a:t>Click to edit Master subtitle style</a:t>
             </a:r>
-            <a:endParaRPr lang="en-US"/>
           </a:p>
         </p:txBody>
       </p:sp>
@@ -339,7 +353,6 @@
               <a:rPr lang="en-US"/>
               <a:t>Click to edit Master title style</a:t>
             </a:r>
-            <a:endParaRPr lang="en-US"/>
           </a:p>
         </p:txBody>
       </p:sp>
@@ -391,7 +404,6 @@
               <a:rPr lang="en-US"/>
               <a:t>Fifth level</a:t>
             </a:r>
-            <a:endParaRPr lang="en-US"/>
           </a:p>
         </p:txBody>
       </p:sp>
@@ -514,7 +526,6 @@
               <a:rPr lang="en-US"/>
               <a:t>Click to edit Master title style</a:t>
             </a:r>
-            <a:endParaRPr lang="en-US"/>
           </a:p>
         </p:txBody>
       </p:sp>
@@ -571,7 +582,6 @@
               <a:rPr lang="en-US"/>
               <a:t>Fifth level</a:t>
             </a:r>
-            <a:endParaRPr lang="en-US"/>
           </a:p>
         </p:txBody>
       </p:sp>
@@ -689,7 +699,6 @@
               <a:rPr lang="en-US"/>
               <a:t>Click to edit Master title style</a:t>
             </a:r>
-            <a:endParaRPr lang="en-US"/>
           </a:p>
         </p:txBody>
       </p:sp>
@@ -741,7 +750,6 @@
               <a:rPr lang="en-US"/>
               <a:t>Fifth level</a:t>
             </a:r>
-            <a:endParaRPr lang="en-US"/>
           </a:p>
         </p:txBody>
       </p:sp>
@@ -868,7 +876,6 @@
               <a:rPr lang="en-US"/>
               <a:t>Click to edit Master title style</a:t>
             </a:r>
-            <a:endParaRPr lang="en-US"/>
           </a:p>
         </p:txBody>
       </p:sp>
@@ -1105,7 +1112,6 @@
               <a:rPr lang="en-US"/>
               <a:t>Click to edit Master title style</a:t>
             </a:r>
-            <a:endParaRPr lang="en-US"/>
           </a:p>
         </p:txBody>
       </p:sp>
@@ -1162,7 +1168,6 @@
               <a:rPr lang="en-US"/>
               <a:t>Fifth level</a:t>
             </a:r>
-            <a:endParaRPr lang="en-US"/>
           </a:p>
         </p:txBody>
       </p:sp>
@@ -1219,7 +1224,6 @@
               <a:rPr lang="en-US"/>
               <a:t>Fifth level</a:t>
             </a:r>
-            <a:endParaRPr lang="en-US"/>
           </a:p>
         </p:txBody>
       </p:sp>
@@ -1342,7 +1346,6 @@
               <a:rPr lang="en-US"/>
               <a:t>Click to edit Master title style</a:t>
             </a:r>
-            <a:endParaRPr lang="en-US"/>
           </a:p>
         </p:txBody>
       </p:sp>
@@ -1464,7 +1467,6 @@
               <a:rPr lang="en-US"/>
               <a:t>Fifth level</a:t>
             </a:r>
-            <a:endParaRPr lang="en-US"/>
           </a:p>
         </p:txBody>
       </p:sp>
@@ -1586,7 +1588,6 @@
               <a:rPr lang="en-US"/>
               <a:t>Fifth level</a:t>
             </a:r>
-            <a:endParaRPr lang="en-US"/>
           </a:p>
         </p:txBody>
       </p:sp>
@@ -1704,7 +1705,6 @@
               <a:rPr lang="en-US"/>
               <a:t>Click to edit Master title style</a:t>
             </a:r>
-            <a:endParaRPr lang="en-US"/>
           </a:p>
         </p:txBody>
       </p:sp>
@@ -1926,7 +1926,6 @@
               <a:rPr lang="en-US"/>
               <a:t>Click to edit Master title style</a:t>
             </a:r>
-            <a:endParaRPr lang="en-US"/>
           </a:p>
         </p:txBody>
       </p:sp>
@@ -2011,7 +2010,6 @@
               <a:rPr lang="en-US"/>
               <a:t>Fifth level</a:t>
             </a:r>
-            <a:endParaRPr lang="en-US"/>
           </a:p>
         </p:txBody>
       </p:sp>
@@ -2203,7 +2201,6 @@
               <a:rPr lang="en-US"/>
               <a:t>Click to edit Master title style</a:t>
             </a:r>
-            <a:endParaRPr lang="en-US"/>
           </a:p>
         </p:txBody>
       </p:sp>
@@ -2462,7 +2459,6 @@
               <a:rPr lang="en-US"/>
               <a:t>Click to edit Master title style</a:t>
             </a:r>
-            <a:endParaRPr lang="en-US"/>
           </a:p>
         </p:txBody>
       </p:sp>
@@ -2524,7 +2520,6 @@
               <a:rPr lang="en-US"/>
               <a:t>Fifth level</a:t>
             </a:r>
-            <a:endParaRPr lang="en-US"/>
           </a:p>
         </p:txBody>
       </p:sp>
@@ -2980,12 +2975,21 @@
         </p:nvSpPr>
         <p:spPr/>
         <p:txBody>
-          <a:bodyPr/>
+          <a:bodyPr>
+            <a:normAutofit fontScale="90000"/>
+          </a:bodyPr>
           <a:lstStyle/>
           <a:p>
             <a:r>
               <a:rPr lang="en-US" dirty="0"/>
-              <a:t>Manual</a:t>
+              <a:t>Manual </a:t>
+            </a:r>
+            <a:br>
+              <a:rPr lang="en-US" dirty="0"/>
+            </a:br>
+            <a:r>
+              <a:rPr lang="en-US" dirty="0"/>
+              <a:t>for</a:t>
             </a:r>
             <a:br>
               <a:rPr lang="en-US" dirty="0"/>
@@ -3047,6 +3051,1641 @@
     <p:extLst>
       <p:ext uri="{BB962C8B-B14F-4D97-AF65-F5344CB8AC3E}">
         <p14:creationId xmlns:p14="http://schemas.microsoft.com/office/powerpoint/2010/main" val="2827533638"/>
+      </p:ext>
+    </p:extLst>
+  </p:cSld>
+  <p:clrMapOvr>
+    <a:masterClrMapping/>
+  </p:clrMapOvr>
+</p:sld>
+</file>
+
+<file path=ppt/slides/slide10.xml><?xml version="1.0" encoding="utf-8"?>
+<p:sld xmlns:a="http://schemas.openxmlformats.org/drawingml/2006/main" xmlns:r="http://schemas.openxmlformats.org/officeDocument/2006/relationships" xmlns:p="http://schemas.openxmlformats.org/presentationml/2006/main">
+  <p:cSld>
+    <p:spTree>
+      <p:nvGrpSpPr>
+        <p:cNvPr id="1" name=""/>
+        <p:cNvGrpSpPr/>
+        <p:nvPr/>
+      </p:nvGrpSpPr>
+      <p:grpSpPr>
+        <a:xfrm>
+          <a:off x="0" y="0"/>
+          <a:ext cx="0" cy="0"/>
+          <a:chOff x="0" y="0"/>
+          <a:chExt cx="0" cy="0"/>
+        </a:xfrm>
+      </p:grpSpPr>
+      <p:sp>
+        <p:nvSpPr>
+          <p:cNvPr id="2" name="Title 1"/>
+          <p:cNvSpPr>
+            <a:spLocks noGrp="1"/>
+          </p:cNvSpPr>
+          <p:nvPr>
+            <p:ph type="title"/>
+          </p:nvPr>
+        </p:nvSpPr>
+        <p:spPr/>
+        <p:txBody>
+          <a:bodyPr/>
+          <a:lstStyle/>
+          <a:p>
+            <a:r>
+              <a:rPr lang="en-US" dirty="0"/>
+              <a:t>Step 2 – Calibration: Hard Scan</a:t>
+            </a:r>
+            <a:endParaRPr lang="en-US" dirty="0"/>
+          </a:p>
+        </p:txBody>
+      </p:sp>
+      <p:pic>
+        <p:nvPicPr>
+          <p:cNvPr id="4" name="Content Placeholder 3"/>
+          <p:cNvPicPr>
+            <a:picLocks noGrp="1" noChangeAspect="1"/>
+          </p:cNvPicPr>
+          <p:nvPr>
+            <p:ph idx="1"/>
+          </p:nvPr>
+        </p:nvPicPr>
+        <p:blipFill rotWithShape="1">
+          <a:blip r:embed="rId2">
+            <a:extLst>
+              <a:ext uri="{28A0092B-C50C-407E-A947-70E740481C1C}">
+                <a14:useLocalDpi xmlns:a14="http://schemas.microsoft.com/office/drawing/2010/main" val="0"/>
+              </a:ext>
+            </a:extLst>
+          </a:blip>
+          <a:srcRect/>
+          <a:stretch/>
+        </p:blipFill>
+        <p:spPr>
+          <a:xfrm>
+            <a:off x="3919040" y="1690688"/>
+            <a:ext cx="7457620" cy="4114800"/>
+          </a:xfrm>
+        </p:spPr>
+      </p:pic>
+      <p:sp>
+        <p:nvSpPr>
+          <p:cNvPr id="5" name="TextBox 4"/>
+          <p:cNvSpPr txBox="1"/>
+          <p:nvPr/>
+        </p:nvSpPr>
+        <p:spPr>
+          <a:xfrm>
+            <a:off x="3919040" y="5944939"/>
+            <a:ext cx="7457620" cy="707886"/>
+          </a:xfrm>
+          <a:prstGeom prst="rect">
+            <a:avLst/>
+          </a:prstGeom>
+          <a:noFill/>
+        </p:spPr>
+        <p:txBody>
+          <a:bodyPr wrap="square" rtlCol="0">
+            <a:spAutoFit/>
+          </a:bodyPr>
+          <a:lstStyle/>
+          <a:p>
+            <a:r>
+              <a:rPr lang="en-US" sz="4000" dirty="0"/>
+              <a:t>An example of good Hard Scan.</a:t>
+            </a:r>
+          </a:p>
+        </p:txBody>
+      </p:sp>
+      <p:sp>
+        <p:nvSpPr>
+          <p:cNvPr id="6" name="Rectangle 5"/>
+          <p:cNvSpPr/>
+          <p:nvPr/>
+        </p:nvSpPr>
+        <p:spPr>
+          <a:xfrm>
+            <a:off x="182880" y="1830139"/>
+            <a:ext cx="3736160" cy="1077218"/>
+          </a:xfrm>
+          <a:prstGeom prst="rect">
+            <a:avLst/>
+          </a:prstGeom>
+        </p:spPr>
+        <p:txBody>
+          <a:bodyPr wrap="square">
+            <a:spAutoFit/>
+          </a:bodyPr>
+          <a:lstStyle/>
+          <a:p>
+            <a:r>
+              <a:rPr lang="en-US" sz="3200" b="1" dirty="0"/>
+              <a:t>Save at least </a:t>
+            </a:r>
+            <a:r>
+              <a:rPr lang="en-US" sz="3200" b="1" dirty="0">
+                <a:solidFill>
+                  <a:srgbClr val="FF0000"/>
+                </a:solidFill>
+              </a:rPr>
+              <a:t>5 good Hard Scans</a:t>
+            </a:r>
+            <a:r>
+              <a:rPr lang="en-US" sz="3200" b="1" dirty="0"/>
+              <a:t>.</a:t>
+            </a:r>
+          </a:p>
+        </p:txBody>
+      </p:sp>
+    </p:spTree>
+    <p:extLst>
+      <p:ext uri="{BB962C8B-B14F-4D97-AF65-F5344CB8AC3E}">
+        <p14:creationId xmlns:p14="http://schemas.microsoft.com/office/powerpoint/2010/main" val="930958524"/>
+      </p:ext>
+    </p:extLst>
+  </p:cSld>
+  <p:clrMapOvr>
+    <a:masterClrMapping/>
+  </p:clrMapOvr>
+</p:sld>
+</file>
+
+<file path=ppt/slides/slide11.xml><?xml version="1.0" encoding="utf-8"?>
+<p:sld xmlns:a="http://schemas.openxmlformats.org/drawingml/2006/main" xmlns:r="http://schemas.openxmlformats.org/officeDocument/2006/relationships" xmlns:p="http://schemas.openxmlformats.org/presentationml/2006/main">
+  <p:cSld>
+    <p:spTree>
+      <p:nvGrpSpPr>
+        <p:cNvPr id="1" name=""/>
+        <p:cNvGrpSpPr/>
+        <p:nvPr/>
+      </p:nvGrpSpPr>
+      <p:grpSpPr>
+        <a:xfrm>
+          <a:off x="0" y="0"/>
+          <a:ext cx="0" cy="0"/>
+          <a:chOff x="0" y="0"/>
+          <a:chExt cx="0" cy="0"/>
+        </a:xfrm>
+      </p:grpSpPr>
+      <p:sp>
+        <p:nvSpPr>
+          <p:cNvPr id="2" name="Title 1"/>
+          <p:cNvSpPr>
+            <a:spLocks noGrp="1"/>
+          </p:cNvSpPr>
+          <p:nvPr>
+            <p:ph type="title"/>
+          </p:nvPr>
+        </p:nvSpPr>
+        <p:spPr/>
+        <p:txBody>
+          <a:bodyPr/>
+          <a:lstStyle/>
+          <a:p>
+            <a:r>
+              <a:rPr lang="en-US" dirty="0"/>
+              <a:t>Step 2 – Calibration: Calculation</a:t>
+            </a:r>
+            <a:endParaRPr lang="en-US" dirty="0"/>
+          </a:p>
+        </p:txBody>
+      </p:sp>
+      <p:sp>
+        <p:nvSpPr>
+          <p:cNvPr id="3" name="Content Placeholder 2"/>
+          <p:cNvSpPr>
+            <a:spLocks noGrp="1"/>
+          </p:cNvSpPr>
+          <p:nvPr>
+            <p:ph idx="1"/>
+          </p:nvPr>
+        </p:nvSpPr>
+        <p:spPr>
+          <a:xfrm>
+            <a:off x="838200" y="1825624"/>
+            <a:ext cx="5822949" cy="4706937"/>
+          </a:xfrm>
+        </p:spPr>
+        <p:txBody>
+          <a:bodyPr>
+            <a:normAutofit/>
+          </a:bodyPr>
+          <a:lstStyle/>
+          <a:p>
+            <a:r>
+              <a:rPr lang="en-US" sz="3200" dirty="0"/>
+              <a:t>Click “</a:t>
+            </a:r>
+            <a:r>
+              <a:rPr lang="en-US" sz="3200" b="1" dirty="0">
+                <a:solidFill>
+                  <a:srgbClr val="FF0000"/>
+                </a:solidFill>
+              </a:rPr>
+              <a:t>Calibration &amp; Export</a:t>
+            </a:r>
+            <a:r>
+              <a:rPr lang="en-US" sz="3200" dirty="0"/>
+              <a:t>”.</a:t>
+            </a:r>
+            <a:r>
+              <a:rPr lang="en-US" sz="3200" dirty="0"/>
+              <a:t> </a:t>
+            </a:r>
+          </a:p>
+          <a:p>
+            <a:endParaRPr lang="en-US" sz="3200" dirty="0"/>
+          </a:p>
+          <a:p>
+            <a:r>
+              <a:rPr lang="en-US" sz="3200" b="1" dirty="0"/>
+              <a:t>Uncheck</a:t>
+            </a:r>
+            <a:r>
+              <a:rPr lang="en-US" sz="3200" dirty="0"/>
+              <a:t> the followings:</a:t>
+            </a:r>
+          </a:p>
+          <a:p>
+            <a:r>
+              <a:rPr lang="en-US" sz="3200" dirty="0"/>
+              <a:t>auto slope</a:t>
+            </a:r>
+          </a:p>
+          <a:p>
+            <a:r>
+              <a:rPr lang="en-US" sz="3200" dirty="0"/>
+              <a:t>auto subtract Background</a:t>
+            </a:r>
+          </a:p>
+          <a:p>
+            <a:r>
+              <a:rPr lang="en-US" sz="3200" dirty="0"/>
+              <a:t>auto spring</a:t>
+            </a:r>
+          </a:p>
+          <a:p>
+            <a:endParaRPr lang="en-US" sz="3200" dirty="0"/>
+          </a:p>
+          <a:p>
+            <a:r>
+              <a:rPr lang="en-US" sz="3200" dirty="0"/>
+              <a:t>Click </a:t>
+            </a:r>
+            <a:r>
+              <a:rPr lang="en-US" sz="3200" b="1" dirty="0">
+                <a:solidFill>
+                  <a:srgbClr val="FF0000"/>
+                </a:solidFill>
+              </a:rPr>
+              <a:t>Calibrate</a:t>
+            </a:r>
+            <a:r>
+              <a:rPr lang="en-US" sz="3200" dirty="0"/>
+              <a:t>.</a:t>
+            </a:r>
+            <a:endParaRPr lang="en-US" sz="3200" dirty="0"/>
+          </a:p>
+        </p:txBody>
+      </p:sp>
+      <p:pic>
+        <p:nvPicPr>
+          <p:cNvPr id="4" name="Picture 3"/>
+          <p:cNvPicPr>
+            <a:picLocks noChangeAspect="1"/>
+          </p:cNvPicPr>
+          <p:nvPr/>
+        </p:nvPicPr>
+        <p:blipFill rotWithShape="1">
+          <a:blip r:embed="rId2">
+            <a:extLst>
+              <a:ext uri="{28A0092B-C50C-407E-A947-70E740481C1C}">
+                <a14:useLocalDpi xmlns:a14="http://schemas.microsoft.com/office/drawing/2010/main" val="0"/>
+              </a:ext>
+            </a:extLst>
+          </a:blip>
+          <a:srcRect l="2927" t="2909" r="9539" b="2233"/>
+          <a:stretch/>
+        </p:blipFill>
+        <p:spPr>
+          <a:xfrm>
+            <a:off x="7015479" y="1825625"/>
+            <a:ext cx="2765460" cy="4572000"/>
+          </a:xfrm>
+          <a:prstGeom prst="rect">
+            <a:avLst/>
+          </a:prstGeom>
+        </p:spPr>
+      </p:pic>
+      <p:sp>
+        <p:nvSpPr>
+          <p:cNvPr id="5" name="Rectangle 4"/>
+          <p:cNvSpPr/>
+          <p:nvPr/>
+        </p:nvSpPr>
+        <p:spPr>
+          <a:xfrm>
+            <a:off x="7015477" y="5835650"/>
+            <a:ext cx="687073" cy="273050"/>
+          </a:xfrm>
+          <a:prstGeom prst="rect">
+            <a:avLst/>
+          </a:prstGeom>
+          <a:noFill/>
+          <a:ln w="38100">
+            <a:solidFill>
+              <a:srgbClr val="FFFF00"/>
+            </a:solidFill>
+          </a:ln>
+          <a:effectLst>
+            <a:glow rad="63500">
+              <a:schemeClr val="accent2">
+                <a:satMod val="175000"/>
+                <a:alpha val="40000"/>
+              </a:schemeClr>
+            </a:glow>
+          </a:effectLst>
+        </p:spPr>
+        <p:style>
+          <a:lnRef idx="2">
+            <a:schemeClr val="accent1">
+              <a:shade val="50000"/>
+            </a:schemeClr>
+          </a:lnRef>
+          <a:fillRef idx="1">
+            <a:schemeClr val="accent1"/>
+          </a:fillRef>
+          <a:effectRef idx="0">
+            <a:schemeClr val="accent1"/>
+          </a:effectRef>
+          <a:fontRef idx="minor">
+            <a:schemeClr val="lt1"/>
+          </a:fontRef>
+        </p:style>
+        <p:txBody>
+          <a:bodyPr rtlCol="0" anchor="ctr"/>
+          <a:lstStyle/>
+          <a:p>
+            <a:pPr algn="ctr"/>
+            <a:endParaRPr lang="en-US"/>
+          </a:p>
+        </p:txBody>
+      </p:sp>
+      <p:sp>
+        <p:nvSpPr>
+          <p:cNvPr id="6" name="Rectangle 5"/>
+          <p:cNvSpPr/>
+          <p:nvPr/>
+        </p:nvSpPr>
+        <p:spPr>
+          <a:xfrm>
+            <a:off x="7015476" y="2106792"/>
+            <a:ext cx="2039624" cy="401082"/>
+          </a:xfrm>
+          <a:prstGeom prst="rect">
+            <a:avLst/>
+          </a:prstGeom>
+          <a:noFill/>
+          <a:ln w="38100">
+            <a:solidFill>
+              <a:srgbClr val="FFFF00"/>
+            </a:solidFill>
+          </a:ln>
+          <a:effectLst>
+            <a:glow rad="63500">
+              <a:schemeClr val="accent2">
+                <a:satMod val="175000"/>
+                <a:alpha val="40000"/>
+              </a:schemeClr>
+            </a:glow>
+          </a:effectLst>
+        </p:spPr>
+        <p:style>
+          <a:lnRef idx="2">
+            <a:schemeClr val="accent1">
+              <a:shade val="50000"/>
+            </a:schemeClr>
+          </a:lnRef>
+          <a:fillRef idx="1">
+            <a:schemeClr val="accent1"/>
+          </a:fillRef>
+          <a:effectRef idx="0">
+            <a:schemeClr val="accent1"/>
+          </a:effectRef>
+          <a:fontRef idx="minor">
+            <a:schemeClr val="lt1"/>
+          </a:fontRef>
+        </p:style>
+        <p:txBody>
+          <a:bodyPr rtlCol="0" anchor="ctr"/>
+          <a:lstStyle/>
+          <a:p>
+            <a:pPr algn="ctr"/>
+            <a:endParaRPr lang="en-US"/>
+          </a:p>
+        </p:txBody>
+      </p:sp>
+      <p:sp>
+        <p:nvSpPr>
+          <p:cNvPr id="7" name="Rectangle 6"/>
+          <p:cNvSpPr/>
+          <p:nvPr/>
+        </p:nvSpPr>
+        <p:spPr>
+          <a:xfrm>
+            <a:off x="7015479" y="2857500"/>
+            <a:ext cx="1461772" cy="209550"/>
+          </a:xfrm>
+          <a:prstGeom prst="rect">
+            <a:avLst/>
+          </a:prstGeom>
+          <a:noFill/>
+          <a:ln w="38100">
+            <a:solidFill>
+              <a:srgbClr val="FFFF00"/>
+            </a:solidFill>
+          </a:ln>
+          <a:effectLst>
+            <a:glow rad="63500">
+              <a:schemeClr val="accent2">
+                <a:satMod val="175000"/>
+                <a:alpha val="40000"/>
+              </a:schemeClr>
+            </a:glow>
+          </a:effectLst>
+        </p:spPr>
+        <p:style>
+          <a:lnRef idx="2">
+            <a:schemeClr val="accent1">
+              <a:shade val="50000"/>
+            </a:schemeClr>
+          </a:lnRef>
+          <a:fillRef idx="1">
+            <a:schemeClr val="accent1"/>
+          </a:fillRef>
+          <a:effectRef idx="0">
+            <a:schemeClr val="accent1"/>
+          </a:effectRef>
+          <a:fontRef idx="minor">
+            <a:schemeClr val="lt1"/>
+          </a:fontRef>
+        </p:style>
+        <p:txBody>
+          <a:bodyPr rtlCol="0" anchor="ctr"/>
+          <a:lstStyle/>
+          <a:p>
+            <a:pPr algn="ctr"/>
+            <a:endParaRPr lang="en-US"/>
+          </a:p>
+        </p:txBody>
+      </p:sp>
+      <p:sp>
+        <p:nvSpPr>
+          <p:cNvPr id="8" name="Rectangle 7"/>
+          <p:cNvSpPr/>
+          <p:nvPr/>
+        </p:nvSpPr>
+        <p:spPr>
+          <a:xfrm>
+            <a:off x="7015479" y="3239315"/>
+            <a:ext cx="820422" cy="246836"/>
+          </a:xfrm>
+          <a:prstGeom prst="rect">
+            <a:avLst/>
+          </a:prstGeom>
+          <a:noFill/>
+          <a:ln w="38100">
+            <a:solidFill>
+              <a:srgbClr val="FFFF00"/>
+            </a:solidFill>
+          </a:ln>
+          <a:effectLst>
+            <a:glow rad="63500">
+              <a:schemeClr val="accent2">
+                <a:satMod val="175000"/>
+                <a:alpha val="40000"/>
+              </a:schemeClr>
+            </a:glow>
+          </a:effectLst>
+        </p:spPr>
+        <p:style>
+          <a:lnRef idx="2">
+            <a:schemeClr val="accent1">
+              <a:shade val="50000"/>
+            </a:schemeClr>
+          </a:lnRef>
+          <a:fillRef idx="1">
+            <a:schemeClr val="accent1"/>
+          </a:fillRef>
+          <a:effectRef idx="0">
+            <a:schemeClr val="accent1"/>
+          </a:effectRef>
+          <a:fontRef idx="minor">
+            <a:schemeClr val="lt1"/>
+          </a:fontRef>
+        </p:style>
+        <p:txBody>
+          <a:bodyPr rtlCol="0" anchor="ctr"/>
+          <a:lstStyle/>
+          <a:p>
+            <a:pPr algn="ctr"/>
+            <a:endParaRPr lang="en-US"/>
+          </a:p>
+        </p:txBody>
+      </p:sp>
+    </p:spTree>
+    <p:extLst>
+      <p:ext uri="{BB962C8B-B14F-4D97-AF65-F5344CB8AC3E}">
+        <p14:creationId xmlns:p14="http://schemas.microsoft.com/office/powerpoint/2010/main" val="3592787086"/>
+      </p:ext>
+    </p:extLst>
+  </p:cSld>
+  <p:clrMapOvr>
+    <a:masterClrMapping/>
+  </p:clrMapOvr>
+</p:sld>
+</file>
+
+<file path=ppt/slides/slide12.xml><?xml version="1.0" encoding="utf-8"?>
+<p:sld xmlns:a="http://schemas.openxmlformats.org/drawingml/2006/main" xmlns:r="http://schemas.openxmlformats.org/officeDocument/2006/relationships" xmlns:p="http://schemas.openxmlformats.org/presentationml/2006/main">
+  <p:cSld>
+    <p:spTree>
+      <p:nvGrpSpPr>
+        <p:cNvPr id="1" name=""/>
+        <p:cNvGrpSpPr/>
+        <p:nvPr/>
+      </p:nvGrpSpPr>
+      <p:grpSpPr>
+        <a:xfrm>
+          <a:off x="0" y="0"/>
+          <a:ext cx="0" cy="0"/>
+          <a:chOff x="0" y="0"/>
+          <a:chExt cx="0" cy="0"/>
+        </a:xfrm>
+      </p:grpSpPr>
+      <p:sp>
+        <p:nvSpPr>
+          <p:cNvPr id="2" name="Title 1"/>
+          <p:cNvSpPr>
+            <a:spLocks noGrp="1"/>
+          </p:cNvSpPr>
+          <p:nvPr>
+            <p:ph type="title"/>
+          </p:nvPr>
+        </p:nvSpPr>
+        <p:spPr/>
+        <p:txBody>
+          <a:bodyPr/>
+          <a:lstStyle/>
+          <a:p>
+            <a:r>
+              <a:rPr lang="en-US" dirty="0"/>
+              <a:t>Step 2 – Calibration: Slope</a:t>
+            </a:r>
+            <a:endParaRPr lang="en-US" dirty="0"/>
+          </a:p>
+        </p:txBody>
+      </p:sp>
+      <p:pic>
+        <p:nvPicPr>
+          <p:cNvPr id="4" name="Content Placeholder 3"/>
+          <p:cNvPicPr>
+            <a:picLocks noGrp="1" noChangeAspect="1"/>
+          </p:cNvPicPr>
+          <p:nvPr>
+            <p:ph idx="1"/>
+          </p:nvPr>
+        </p:nvPicPr>
+        <p:blipFill rotWithShape="1">
+          <a:blip r:embed="rId2">
+            <a:extLst>
+              <a:ext uri="{28A0092B-C50C-407E-A947-70E740481C1C}">
+                <a14:useLocalDpi xmlns:a14="http://schemas.microsoft.com/office/drawing/2010/main" val="0"/>
+              </a:ext>
+            </a:extLst>
+          </a:blip>
+          <a:srcRect/>
+          <a:stretch/>
+        </p:blipFill>
+        <p:spPr>
+          <a:xfrm>
+            <a:off x="838200" y="1690688"/>
+            <a:ext cx="7781505" cy="4572000"/>
+          </a:xfrm>
+        </p:spPr>
+      </p:pic>
+      <p:sp>
+        <p:nvSpPr>
+          <p:cNvPr id="5" name="Rectangle 4"/>
+          <p:cNvSpPr/>
+          <p:nvPr/>
+        </p:nvSpPr>
+        <p:spPr>
+          <a:xfrm>
+            <a:off x="8590557" y="2449051"/>
+            <a:ext cx="3572295" cy="2246769"/>
+          </a:xfrm>
+          <a:prstGeom prst="rect">
+            <a:avLst/>
+          </a:prstGeom>
+        </p:spPr>
+        <p:txBody>
+          <a:bodyPr wrap="square">
+            <a:spAutoFit/>
+          </a:bodyPr>
+          <a:lstStyle/>
+          <a:p>
+            <a:r>
+              <a:rPr lang="en-US" sz="2800" dirty="0"/>
+              <a:t>Select two points:</a:t>
+            </a:r>
+          </a:p>
+          <a:p>
+            <a:r>
+              <a:rPr lang="en-US" sz="2800" b="1" dirty="0">
+                <a:solidFill>
+                  <a:srgbClr val="FF0000"/>
+                </a:solidFill>
+              </a:rPr>
+              <a:t>Linear</a:t>
+            </a:r>
+            <a:r>
+              <a:rPr lang="en-US" sz="2800" dirty="0"/>
+              <a:t> curve between them.</a:t>
+            </a:r>
+          </a:p>
+          <a:p>
+            <a:endParaRPr lang="en-US" sz="2800" dirty="0"/>
+          </a:p>
+          <a:p>
+            <a:r>
+              <a:rPr lang="en-US" sz="2800" dirty="0"/>
+              <a:t>Click “</a:t>
+            </a:r>
+            <a:r>
+              <a:rPr lang="en-US" sz="2800" b="1" dirty="0"/>
+              <a:t>Get Slope</a:t>
+            </a:r>
+            <a:r>
+              <a:rPr lang="en-US" sz="2800" dirty="0"/>
+              <a:t>”.</a:t>
+            </a:r>
+          </a:p>
+        </p:txBody>
+      </p:sp>
+      <p:sp>
+        <p:nvSpPr>
+          <p:cNvPr id="6" name="Oval 5"/>
+          <p:cNvSpPr/>
+          <p:nvPr/>
+        </p:nvSpPr>
+        <p:spPr>
+          <a:xfrm rot="507395">
+            <a:off x="1849962" y="3926824"/>
+            <a:ext cx="486292" cy="1537993"/>
+          </a:xfrm>
+          <a:prstGeom prst="ellipse">
+            <a:avLst/>
+          </a:prstGeom>
+          <a:noFill/>
+          <a:ln w="28575">
+            <a:solidFill>
+              <a:srgbClr val="FF0000"/>
+            </a:solidFill>
+          </a:ln>
+        </p:spPr>
+        <p:style>
+          <a:lnRef idx="2">
+            <a:schemeClr val="accent1">
+              <a:shade val="50000"/>
+            </a:schemeClr>
+          </a:lnRef>
+          <a:fillRef idx="1">
+            <a:schemeClr val="accent1"/>
+          </a:fillRef>
+          <a:effectRef idx="0">
+            <a:schemeClr val="accent1"/>
+          </a:effectRef>
+          <a:fontRef idx="minor">
+            <a:schemeClr val="lt1"/>
+          </a:fontRef>
+        </p:style>
+        <p:txBody>
+          <a:bodyPr rtlCol="0" anchor="ctr"/>
+          <a:lstStyle/>
+          <a:p>
+            <a:pPr algn="ctr"/>
+            <a:endParaRPr lang="en-US"/>
+          </a:p>
+        </p:txBody>
+      </p:sp>
+      <p:sp>
+        <p:nvSpPr>
+          <p:cNvPr id="7" name="Rectangle 6"/>
+          <p:cNvSpPr/>
+          <p:nvPr/>
+        </p:nvSpPr>
+        <p:spPr>
+          <a:xfrm>
+            <a:off x="4203699" y="4067355"/>
+            <a:ext cx="647701" cy="246836"/>
+          </a:xfrm>
+          <a:prstGeom prst="rect">
+            <a:avLst/>
+          </a:prstGeom>
+          <a:noFill/>
+          <a:ln w="38100">
+            <a:solidFill>
+              <a:srgbClr val="FFFF00"/>
+            </a:solidFill>
+          </a:ln>
+          <a:effectLst>
+            <a:glow rad="63500">
+              <a:schemeClr val="accent2">
+                <a:satMod val="175000"/>
+                <a:alpha val="40000"/>
+              </a:schemeClr>
+            </a:glow>
+          </a:effectLst>
+        </p:spPr>
+        <p:style>
+          <a:lnRef idx="2">
+            <a:schemeClr val="accent1">
+              <a:shade val="50000"/>
+            </a:schemeClr>
+          </a:lnRef>
+          <a:fillRef idx="1">
+            <a:schemeClr val="accent1"/>
+          </a:fillRef>
+          <a:effectRef idx="0">
+            <a:schemeClr val="accent1"/>
+          </a:effectRef>
+          <a:fontRef idx="minor">
+            <a:schemeClr val="lt1"/>
+          </a:fontRef>
+        </p:style>
+        <p:txBody>
+          <a:bodyPr rtlCol="0" anchor="ctr"/>
+          <a:lstStyle/>
+          <a:p>
+            <a:pPr algn="ctr"/>
+            <a:endParaRPr lang="en-US"/>
+          </a:p>
+        </p:txBody>
+      </p:sp>
+    </p:spTree>
+    <p:extLst>
+      <p:ext uri="{BB962C8B-B14F-4D97-AF65-F5344CB8AC3E}">
+        <p14:creationId xmlns:p14="http://schemas.microsoft.com/office/powerpoint/2010/main" val="1019410880"/>
+      </p:ext>
+    </p:extLst>
+  </p:cSld>
+  <p:clrMapOvr>
+    <a:masterClrMapping/>
+  </p:clrMapOvr>
+</p:sld>
+</file>
+
+<file path=ppt/slides/slide13.xml><?xml version="1.0" encoding="utf-8"?>
+<p:sld xmlns:a="http://schemas.openxmlformats.org/drawingml/2006/main" xmlns:r="http://schemas.openxmlformats.org/officeDocument/2006/relationships" xmlns:p="http://schemas.openxmlformats.org/presentationml/2006/main">
+  <p:cSld>
+    <p:spTree>
+      <p:nvGrpSpPr>
+        <p:cNvPr id="1" name=""/>
+        <p:cNvGrpSpPr/>
+        <p:nvPr/>
+      </p:nvGrpSpPr>
+      <p:grpSpPr>
+        <a:xfrm>
+          <a:off x="0" y="0"/>
+          <a:ext cx="0" cy="0"/>
+          <a:chOff x="0" y="0"/>
+          <a:chExt cx="0" cy="0"/>
+        </a:xfrm>
+      </p:grpSpPr>
+      <p:sp>
+        <p:nvSpPr>
+          <p:cNvPr id="2" name="Title 1"/>
+          <p:cNvSpPr>
+            <a:spLocks noGrp="1"/>
+          </p:cNvSpPr>
+          <p:nvPr>
+            <p:ph type="title"/>
+          </p:nvPr>
+        </p:nvSpPr>
+        <p:spPr/>
+        <p:txBody>
+          <a:bodyPr/>
+          <a:lstStyle/>
+          <a:p>
+            <a:r>
+              <a:rPr lang="en-US" dirty="0"/>
+              <a:t>Step 2 – Calibration: Slope</a:t>
+            </a:r>
+            <a:endParaRPr lang="en-US" dirty="0"/>
+          </a:p>
+        </p:txBody>
+      </p:sp>
+      <p:pic>
+        <p:nvPicPr>
+          <p:cNvPr id="4" name="Content Placeholder 3"/>
+          <p:cNvPicPr>
+            <a:picLocks noGrp="1" noChangeAspect="1"/>
+          </p:cNvPicPr>
+          <p:nvPr>
+            <p:ph idx="1"/>
+          </p:nvPr>
+        </p:nvPicPr>
+        <p:blipFill rotWithShape="1">
+          <a:blip r:embed="rId2">
+            <a:extLst>
+              <a:ext uri="{28A0092B-C50C-407E-A947-70E740481C1C}">
+                <a14:useLocalDpi xmlns:a14="http://schemas.microsoft.com/office/drawing/2010/main" val="0"/>
+              </a:ext>
+            </a:extLst>
+          </a:blip>
+          <a:srcRect/>
+          <a:stretch/>
+        </p:blipFill>
+        <p:spPr>
+          <a:xfrm>
+            <a:off x="838200" y="1744979"/>
+            <a:ext cx="3574324" cy="3657600"/>
+          </a:xfrm>
+        </p:spPr>
+      </p:pic>
+      <p:pic>
+        <p:nvPicPr>
+          <p:cNvPr id="5" name="Picture 4"/>
+          <p:cNvPicPr>
+            <a:picLocks noChangeAspect="1"/>
+          </p:cNvPicPr>
+          <p:nvPr/>
+        </p:nvPicPr>
+        <p:blipFill rotWithShape="1">
+          <a:blip r:embed="rId3">
+            <a:extLst>
+              <a:ext uri="{28A0092B-C50C-407E-A947-70E740481C1C}">
+                <a14:useLocalDpi xmlns:a14="http://schemas.microsoft.com/office/drawing/2010/main" val="0"/>
+              </a:ext>
+            </a:extLst>
+          </a:blip>
+          <a:srcRect/>
+          <a:stretch/>
+        </p:blipFill>
+        <p:spPr>
+          <a:xfrm>
+            <a:off x="4816112" y="1744979"/>
+            <a:ext cx="2559776" cy="3894364"/>
+          </a:xfrm>
+          <a:prstGeom prst="rect">
+            <a:avLst/>
+          </a:prstGeom>
+        </p:spPr>
+      </p:pic>
+      <p:pic>
+        <p:nvPicPr>
+          <p:cNvPr id="6" name="Picture 5"/>
+          <p:cNvPicPr>
+            <a:picLocks noChangeAspect="1"/>
+          </p:cNvPicPr>
+          <p:nvPr/>
+        </p:nvPicPr>
+        <p:blipFill rotWithShape="1">
+          <a:blip r:embed="rId4">
+            <a:extLst>
+              <a:ext uri="{28A0092B-C50C-407E-A947-70E740481C1C}">
+                <a14:useLocalDpi xmlns:a14="http://schemas.microsoft.com/office/drawing/2010/main" val="0"/>
+              </a:ext>
+            </a:extLst>
+          </a:blip>
+          <a:srcRect/>
+          <a:stretch/>
+        </p:blipFill>
+        <p:spPr>
+          <a:xfrm>
+            <a:off x="7779476" y="2411891"/>
+            <a:ext cx="3657600" cy="2323775"/>
+          </a:xfrm>
+          <a:prstGeom prst="rect">
+            <a:avLst/>
+          </a:prstGeom>
+        </p:spPr>
+      </p:pic>
+      <p:sp>
+        <p:nvSpPr>
+          <p:cNvPr id="7" name="TextBox 6"/>
+          <p:cNvSpPr txBox="1"/>
+          <p:nvPr/>
+        </p:nvSpPr>
+        <p:spPr>
+          <a:xfrm>
+            <a:off x="838200" y="5689416"/>
+            <a:ext cx="3574324" cy="954107"/>
+          </a:xfrm>
+          <a:prstGeom prst="rect">
+            <a:avLst/>
+          </a:prstGeom>
+          <a:noFill/>
+        </p:spPr>
+        <p:txBody>
+          <a:bodyPr wrap="square" rtlCol="0">
+            <a:spAutoFit/>
+          </a:bodyPr>
+          <a:lstStyle/>
+          <a:p>
+            <a:r>
+              <a:rPr lang="en-US" sz="2800" b="1" dirty="0"/>
+              <a:t>Slope Table</a:t>
+            </a:r>
+            <a:r>
+              <a:rPr lang="en-US" sz="2800" dirty="0"/>
+              <a:t>: </a:t>
+            </a:r>
+          </a:p>
+          <a:p>
+            <a:r>
+              <a:rPr lang="en-US" sz="2800" dirty="0"/>
+              <a:t>Values: ~5E-08.</a:t>
+            </a:r>
+          </a:p>
+        </p:txBody>
+      </p:sp>
+      <p:sp>
+        <p:nvSpPr>
+          <p:cNvPr id="8" name="TextBox 7"/>
+          <p:cNvSpPr txBox="1"/>
+          <p:nvPr/>
+        </p:nvSpPr>
+        <p:spPr>
+          <a:xfrm>
+            <a:off x="7779476" y="5689415"/>
+            <a:ext cx="3574324" cy="523220"/>
+          </a:xfrm>
+          <a:prstGeom prst="rect">
+            <a:avLst/>
+          </a:prstGeom>
+          <a:noFill/>
+        </p:spPr>
+        <p:txBody>
+          <a:bodyPr wrap="square" rtlCol="0">
+            <a:spAutoFit/>
+          </a:bodyPr>
+          <a:lstStyle/>
+          <a:p>
+            <a:r>
+              <a:rPr lang="en-US" sz="2800" dirty="0"/>
+              <a:t>Save as </a:t>
+            </a:r>
+            <a:r>
+              <a:rPr lang="en-US" sz="2800" b="1" dirty="0"/>
+              <a:t>.csv</a:t>
+            </a:r>
+            <a:r>
+              <a:rPr lang="en-US" sz="2800" dirty="0"/>
+              <a:t> file.</a:t>
+            </a:r>
+          </a:p>
+        </p:txBody>
+      </p:sp>
+    </p:spTree>
+    <p:extLst>
+      <p:ext uri="{BB962C8B-B14F-4D97-AF65-F5344CB8AC3E}">
+        <p14:creationId xmlns:p14="http://schemas.microsoft.com/office/powerpoint/2010/main" val="2932224569"/>
+      </p:ext>
+    </p:extLst>
+  </p:cSld>
+  <p:clrMapOvr>
+    <a:masterClrMapping/>
+  </p:clrMapOvr>
+</p:sld>
+</file>
+
+<file path=ppt/slides/slide14.xml><?xml version="1.0" encoding="utf-8"?>
+<p:sld xmlns:a="http://schemas.openxmlformats.org/drawingml/2006/main" xmlns:r="http://schemas.openxmlformats.org/officeDocument/2006/relationships" xmlns:p="http://schemas.openxmlformats.org/presentationml/2006/main">
+  <p:cSld>
+    <p:spTree>
+      <p:nvGrpSpPr>
+        <p:cNvPr id="1" name=""/>
+        <p:cNvGrpSpPr/>
+        <p:nvPr/>
+      </p:nvGrpSpPr>
+      <p:grpSpPr>
+        <a:xfrm>
+          <a:off x="0" y="0"/>
+          <a:ext cx="0" cy="0"/>
+          <a:chOff x="0" y="0"/>
+          <a:chExt cx="0" cy="0"/>
+        </a:xfrm>
+      </p:grpSpPr>
+      <p:sp>
+        <p:nvSpPr>
+          <p:cNvPr id="2" name="Title 1"/>
+          <p:cNvSpPr>
+            <a:spLocks noGrp="1"/>
+          </p:cNvSpPr>
+          <p:nvPr>
+            <p:ph type="title"/>
+          </p:nvPr>
+        </p:nvSpPr>
+        <p:spPr/>
+        <p:txBody>
+          <a:bodyPr/>
+          <a:lstStyle/>
+          <a:p>
+            <a:r>
+              <a:rPr lang="en-US" dirty="0"/>
+              <a:t>Step 2 – Calibration: Spring</a:t>
+            </a:r>
+            <a:endParaRPr lang="en-US" dirty="0"/>
+          </a:p>
+        </p:txBody>
+      </p:sp>
+      <p:pic>
+        <p:nvPicPr>
+          <p:cNvPr id="4" name="Content Placeholder 3"/>
+          <p:cNvPicPr>
+            <a:picLocks noGrp="1" noChangeAspect="1"/>
+          </p:cNvPicPr>
+          <p:nvPr>
+            <p:ph idx="1"/>
+          </p:nvPr>
+        </p:nvPicPr>
+        <p:blipFill rotWithShape="1">
+          <a:blip r:embed="rId2">
+            <a:extLst>
+              <a:ext uri="{28A0092B-C50C-407E-A947-70E740481C1C}">
+                <a14:useLocalDpi xmlns:a14="http://schemas.microsoft.com/office/drawing/2010/main" val="0"/>
+              </a:ext>
+            </a:extLst>
+          </a:blip>
+          <a:srcRect/>
+          <a:stretch/>
+        </p:blipFill>
+        <p:spPr>
+          <a:xfrm>
+            <a:off x="838200" y="2188210"/>
+            <a:ext cx="4870174" cy="2743200"/>
+          </a:xfrm>
+        </p:spPr>
+      </p:pic>
+      <p:pic>
+        <p:nvPicPr>
+          <p:cNvPr id="5" name="Picture 4"/>
+          <p:cNvPicPr>
+            <a:picLocks noChangeAspect="1"/>
+          </p:cNvPicPr>
+          <p:nvPr/>
+        </p:nvPicPr>
+        <p:blipFill rotWithShape="1">
+          <a:blip r:embed="rId3">
+            <a:extLst>
+              <a:ext uri="{28A0092B-C50C-407E-A947-70E740481C1C}">
+                <a14:useLocalDpi xmlns:a14="http://schemas.microsoft.com/office/drawing/2010/main" val="0"/>
+              </a:ext>
+            </a:extLst>
+          </a:blip>
+          <a:srcRect/>
+          <a:stretch/>
+        </p:blipFill>
+        <p:spPr>
+          <a:xfrm>
+            <a:off x="6362177" y="2188210"/>
+            <a:ext cx="4991623" cy="2743200"/>
+          </a:xfrm>
+          <a:prstGeom prst="rect">
+            <a:avLst/>
+          </a:prstGeom>
+        </p:spPr>
+      </p:pic>
+      <p:sp>
+        <p:nvSpPr>
+          <p:cNvPr id="6" name="Rectangle 5"/>
+          <p:cNvSpPr/>
+          <p:nvPr/>
+        </p:nvSpPr>
+        <p:spPr>
+          <a:xfrm>
+            <a:off x="697230" y="5245418"/>
+            <a:ext cx="5011144" cy="954107"/>
+          </a:xfrm>
+          <a:prstGeom prst="rect">
+            <a:avLst/>
+          </a:prstGeom>
+        </p:spPr>
+        <p:txBody>
+          <a:bodyPr wrap="square">
+            <a:spAutoFit/>
+          </a:bodyPr>
+          <a:lstStyle/>
+          <a:p>
+            <a:r>
+              <a:rPr lang="en-US" sz="2800" dirty="0"/>
+              <a:t>Select two points.</a:t>
+            </a:r>
+          </a:p>
+          <a:p>
+            <a:r>
+              <a:rPr lang="en-US" sz="2800" dirty="0"/>
+              <a:t>Click “</a:t>
+            </a:r>
+            <a:r>
+              <a:rPr lang="en-US" sz="2800" b="1" dirty="0"/>
+              <a:t>Subtract background</a:t>
+            </a:r>
+            <a:r>
+              <a:rPr lang="en-US" sz="2800" dirty="0"/>
+              <a:t>”.</a:t>
+            </a:r>
+          </a:p>
+        </p:txBody>
+      </p:sp>
+      <p:sp>
+        <p:nvSpPr>
+          <p:cNvPr id="7" name="Rectangle 6"/>
+          <p:cNvSpPr/>
+          <p:nvPr/>
+        </p:nvSpPr>
+        <p:spPr>
+          <a:xfrm>
+            <a:off x="6362177" y="5245417"/>
+            <a:ext cx="4991623" cy="523220"/>
+          </a:xfrm>
+          <a:prstGeom prst="rect">
+            <a:avLst/>
+          </a:prstGeom>
+        </p:spPr>
+        <p:txBody>
+          <a:bodyPr wrap="square">
+            <a:spAutoFit/>
+          </a:bodyPr>
+          <a:lstStyle/>
+          <a:p>
+            <a:r>
+              <a:rPr lang="en-US" sz="2800" dirty="0"/>
+              <a:t>Click “</a:t>
+            </a:r>
+            <a:r>
+              <a:rPr lang="en-US" sz="2800" b="1" dirty="0" err="1"/>
+              <a:t>Calc</a:t>
+            </a:r>
+            <a:r>
+              <a:rPr lang="en-US" sz="2800" b="1" dirty="0"/>
+              <a:t> Spring</a:t>
+            </a:r>
+            <a:r>
+              <a:rPr lang="en-US" sz="2800" dirty="0"/>
+              <a:t>”.</a:t>
+            </a:r>
+          </a:p>
+        </p:txBody>
+      </p:sp>
+    </p:spTree>
+    <p:extLst>
+      <p:ext uri="{BB962C8B-B14F-4D97-AF65-F5344CB8AC3E}">
+        <p14:creationId xmlns:p14="http://schemas.microsoft.com/office/powerpoint/2010/main" val="1910028646"/>
+      </p:ext>
+    </p:extLst>
+  </p:cSld>
+  <p:clrMapOvr>
+    <a:masterClrMapping/>
+  </p:clrMapOvr>
+</p:sld>
+</file>
+
+<file path=ppt/slides/slide15.xml><?xml version="1.0" encoding="utf-8"?>
+<p:sld xmlns:a="http://schemas.openxmlformats.org/drawingml/2006/main" xmlns:r="http://schemas.openxmlformats.org/officeDocument/2006/relationships" xmlns:p="http://schemas.openxmlformats.org/presentationml/2006/main">
+  <p:cSld>
+    <p:spTree>
+      <p:nvGrpSpPr>
+        <p:cNvPr id="1" name=""/>
+        <p:cNvGrpSpPr/>
+        <p:nvPr/>
+      </p:nvGrpSpPr>
+      <p:grpSpPr>
+        <a:xfrm>
+          <a:off x="0" y="0"/>
+          <a:ext cx="0" cy="0"/>
+          <a:chOff x="0" y="0"/>
+          <a:chExt cx="0" cy="0"/>
+        </a:xfrm>
+      </p:grpSpPr>
+      <p:sp>
+        <p:nvSpPr>
+          <p:cNvPr id="2" name="Title 1"/>
+          <p:cNvSpPr>
+            <a:spLocks noGrp="1"/>
+          </p:cNvSpPr>
+          <p:nvPr>
+            <p:ph type="title"/>
+          </p:nvPr>
+        </p:nvSpPr>
+        <p:spPr/>
+        <p:txBody>
+          <a:bodyPr/>
+          <a:lstStyle/>
+          <a:p>
+            <a:r>
+              <a:rPr lang="en-US" dirty="0"/>
+              <a:t>Step 2 – Calibration: Spring</a:t>
+            </a:r>
+            <a:endParaRPr lang="en-US" dirty="0"/>
+          </a:p>
+        </p:txBody>
+      </p:sp>
+      <p:pic>
+        <p:nvPicPr>
+          <p:cNvPr id="5" name="Picture 4"/>
+          <p:cNvPicPr>
+            <a:picLocks noChangeAspect="1"/>
+          </p:cNvPicPr>
+          <p:nvPr/>
+        </p:nvPicPr>
+        <p:blipFill rotWithShape="1">
+          <a:blip r:embed="rId2">
+            <a:extLst>
+              <a:ext uri="{28A0092B-C50C-407E-A947-70E740481C1C}">
+                <a14:useLocalDpi xmlns:a14="http://schemas.microsoft.com/office/drawing/2010/main" val="0"/>
+              </a:ext>
+            </a:extLst>
+          </a:blip>
+          <a:srcRect/>
+          <a:stretch/>
+        </p:blipFill>
+        <p:spPr>
+          <a:xfrm>
+            <a:off x="4482512" y="1690688"/>
+            <a:ext cx="2559776" cy="3894364"/>
+          </a:xfrm>
+          <a:prstGeom prst="rect">
+            <a:avLst/>
+          </a:prstGeom>
+        </p:spPr>
+      </p:pic>
+      <p:sp>
+        <p:nvSpPr>
+          <p:cNvPr id="7" name="TextBox 6"/>
+          <p:cNvSpPr txBox="1"/>
+          <p:nvPr/>
+        </p:nvSpPr>
+        <p:spPr>
+          <a:xfrm>
+            <a:off x="838200" y="4868228"/>
+            <a:ext cx="3390900" cy="1815882"/>
+          </a:xfrm>
+          <a:prstGeom prst="rect">
+            <a:avLst/>
+          </a:prstGeom>
+          <a:noFill/>
+        </p:spPr>
+        <p:txBody>
+          <a:bodyPr wrap="square" rtlCol="0">
+            <a:spAutoFit/>
+          </a:bodyPr>
+          <a:lstStyle/>
+          <a:p>
+            <a:r>
+              <a:rPr lang="en-US" sz="2800" b="1" dirty="0"/>
+              <a:t>Spring Table</a:t>
+            </a:r>
+            <a:r>
+              <a:rPr lang="en-US" sz="2800" dirty="0"/>
+              <a:t>: </a:t>
+            </a:r>
+          </a:p>
+          <a:p>
+            <a:r>
+              <a:rPr lang="en-US" sz="2800" dirty="0"/>
+              <a:t>Values (not fit): </a:t>
+            </a:r>
+          </a:p>
+          <a:p>
+            <a:r>
+              <a:rPr lang="en-US" sz="2800" dirty="0"/>
+              <a:t>~0.01 for largest triangular cantilever.</a:t>
+            </a:r>
+          </a:p>
+        </p:txBody>
+      </p:sp>
+      <p:sp>
+        <p:nvSpPr>
+          <p:cNvPr id="8" name="TextBox 7"/>
+          <p:cNvSpPr txBox="1"/>
+          <p:nvPr/>
+        </p:nvSpPr>
+        <p:spPr>
+          <a:xfrm>
+            <a:off x="7779476" y="5689415"/>
+            <a:ext cx="3574324" cy="523220"/>
+          </a:xfrm>
+          <a:prstGeom prst="rect">
+            <a:avLst/>
+          </a:prstGeom>
+          <a:noFill/>
+        </p:spPr>
+        <p:txBody>
+          <a:bodyPr wrap="square" rtlCol="0">
+            <a:spAutoFit/>
+          </a:bodyPr>
+          <a:lstStyle/>
+          <a:p>
+            <a:r>
+              <a:rPr lang="en-US" sz="2800" dirty="0"/>
+              <a:t>Save as </a:t>
+            </a:r>
+            <a:r>
+              <a:rPr lang="en-US" sz="2800" b="1" dirty="0"/>
+              <a:t>.csv</a:t>
+            </a:r>
+            <a:r>
+              <a:rPr lang="en-US" sz="2800" dirty="0"/>
+              <a:t> file.</a:t>
+            </a:r>
+          </a:p>
+        </p:txBody>
+      </p:sp>
+      <p:pic>
+        <p:nvPicPr>
+          <p:cNvPr id="10" name="Content Placeholder 3"/>
+          <p:cNvPicPr>
+            <a:picLocks noChangeAspect="1"/>
+          </p:cNvPicPr>
+          <p:nvPr/>
+        </p:nvPicPr>
+        <p:blipFill rotWithShape="1">
+          <a:blip r:embed="rId3">
+            <a:extLst>
+              <a:ext uri="{28A0092B-C50C-407E-A947-70E740481C1C}">
+                <a14:useLocalDpi xmlns:a14="http://schemas.microsoft.com/office/drawing/2010/main" val="0"/>
+              </a:ext>
+            </a:extLst>
+          </a:blip>
+          <a:srcRect/>
+          <a:stretch/>
+        </p:blipFill>
+        <p:spPr>
+          <a:xfrm>
+            <a:off x="838200" y="1690688"/>
+            <a:ext cx="2990400" cy="2995612"/>
+          </a:xfrm>
+          <a:prstGeom prst="rect">
+            <a:avLst/>
+          </a:prstGeom>
+        </p:spPr>
+      </p:pic>
+      <p:pic>
+        <p:nvPicPr>
+          <p:cNvPr id="11" name="Picture 10"/>
+          <p:cNvPicPr>
+            <a:picLocks noChangeAspect="1"/>
+          </p:cNvPicPr>
+          <p:nvPr/>
+        </p:nvPicPr>
+        <p:blipFill rotWithShape="1">
+          <a:blip r:embed="rId4">
+            <a:extLst>
+              <a:ext uri="{28A0092B-C50C-407E-A947-70E740481C1C}">
+                <a14:useLocalDpi xmlns:a14="http://schemas.microsoft.com/office/drawing/2010/main" val="0"/>
+              </a:ext>
+            </a:extLst>
+          </a:blip>
+          <a:srcRect/>
+          <a:stretch/>
+        </p:blipFill>
+        <p:spPr>
+          <a:xfrm>
+            <a:off x="7696200" y="2036943"/>
+            <a:ext cx="3657600" cy="2303102"/>
+          </a:xfrm>
+          <a:prstGeom prst="rect">
+            <a:avLst/>
+          </a:prstGeom>
+        </p:spPr>
+      </p:pic>
+    </p:spTree>
+    <p:extLst>
+      <p:ext uri="{BB962C8B-B14F-4D97-AF65-F5344CB8AC3E}">
+        <p14:creationId xmlns:p14="http://schemas.microsoft.com/office/powerpoint/2010/main" val="458377095"/>
+      </p:ext>
+    </p:extLst>
+  </p:cSld>
+  <p:clrMapOvr>
+    <a:masterClrMapping/>
+  </p:clrMapOvr>
+</p:sld>
+</file>
+
+<file path=ppt/slides/slide16.xml><?xml version="1.0" encoding="utf-8"?>
+<p:sld xmlns:a="http://schemas.openxmlformats.org/drawingml/2006/main" xmlns:r="http://schemas.openxmlformats.org/officeDocument/2006/relationships" xmlns:p="http://schemas.openxmlformats.org/presentationml/2006/main">
+  <p:cSld>
+    <p:spTree>
+      <p:nvGrpSpPr>
+        <p:cNvPr id="1" name=""/>
+        <p:cNvGrpSpPr/>
+        <p:nvPr/>
+      </p:nvGrpSpPr>
+      <p:grpSpPr>
+        <a:xfrm>
+          <a:off x="0" y="0"/>
+          <a:ext cx="0" cy="0"/>
+          <a:chOff x="0" y="0"/>
+          <a:chExt cx="0" cy="0"/>
+        </a:xfrm>
+      </p:grpSpPr>
+      <p:sp>
+        <p:nvSpPr>
+          <p:cNvPr id="2" name="Title 1"/>
+          <p:cNvSpPr>
+            <a:spLocks noGrp="1"/>
+          </p:cNvSpPr>
+          <p:nvPr>
+            <p:ph type="title"/>
+          </p:nvPr>
+        </p:nvSpPr>
+        <p:spPr/>
+        <p:txBody>
+          <a:bodyPr/>
+          <a:lstStyle/>
+          <a:p>
+            <a:r>
+              <a:rPr lang="en-US" dirty="0"/>
+              <a:t>Step 3 – Pulling Experiment</a:t>
+            </a:r>
+          </a:p>
+        </p:txBody>
+      </p:sp>
+      <p:pic>
+        <p:nvPicPr>
+          <p:cNvPr id="4" name="Content Placeholder 3"/>
+          <p:cNvPicPr>
+            <a:picLocks noGrp="1" noChangeAspect="1"/>
+          </p:cNvPicPr>
+          <p:nvPr>
+            <p:ph idx="1"/>
+          </p:nvPr>
+        </p:nvPicPr>
+        <p:blipFill rotWithShape="1">
+          <a:blip r:embed="rId2">
+            <a:extLst>
+              <a:ext uri="{28A0092B-C50C-407E-A947-70E740481C1C}">
+                <a14:useLocalDpi xmlns:a14="http://schemas.microsoft.com/office/drawing/2010/main" val="0"/>
+              </a:ext>
+            </a:extLst>
+          </a:blip>
+          <a:srcRect r="2456" b="4312"/>
+          <a:stretch/>
+        </p:blipFill>
+        <p:spPr>
+          <a:xfrm>
+            <a:off x="838200" y="1690688"/>
+            <a:ext cx="7767880" cy="4572000"/>
+          </a:xfrm>
+        </p:spPr>
+      </p:pic>
+      <p:sp>
+        <p:nvSpPr>
+          <p:cNvPr id="5" name="TextBox 4"/>
+          <p:cNvSpPr txBox="1"/>
+          <p:nvPr/>
+        </p:nvSpPr>
+        <p:spPr>
+          <a:xfrm>
+            <a:off x="9029701" y="2899470"/>
+            <a:ext cx="3162299" cy="2554545"/>
+          </a:xfrm>
+          <a:prstGeom prst="rect">
+            <a:avLst/>
+          </a:prstGeom>
+          <a:noFill/>
+        </p:spPr>
+        <p:txBody>
+          <a:bodyPr wrap="square" rtlCol="0">
+            <a:spAutoFit/>
+          </a:bodyPr>
+          <a:lstStyle/>
+          <a:p>
+            <a:r>
+              <a:rPr lang="en-US" sz="3200" b="1" dirty="0">
+                <a:solidFill>
+                  <a:srgbClr val="FF0000"/>
+                </a:solidFill>
+              </a:rPr>
+              <a:t>Change data saving folders!</a:t>
+            </a:r>
+          </a:p>
+          <a:p>
+            <a:r>
+              <a:rPr lang="en-US" sz="3200" dirty="0"/>
+              <a:t>Type the folder name, and press </a:t>
+            </a:r>
+            <a:r>
+              <a:rPr lang="en-US" sz="3200" b="1" dirty="0"/>
+              <a:t>Enter</a:t>
+            </a:r>
+            <a:r>
+              <a:rPr lang="en-US" sz="3200" dirty="0"/>
+              <a:t>.</a:t>
+            </a:r>
+          </a:p>
+        </p:txBody>
+      </p:sp>
+      <p:sp>
+        <p:nvSpPr>
+          <p:cNvPr id="6" name="Rectangle 5"/>
+          <p:cNvSpPr/>
+          <p:nvPr/>
+        </p:nvSpPr>
+        <p:spPr>
+          <a:xfrm>
+            <a:off x="6979920" y="2382520"/>
+            <a:ext cx="716280" cy="360680"/>
+          </a:xfrm>
+          <a:prstGeom prst="rect">
+            <a:avLst/>
+          </a:prstGeom>
+          <a:noFill/>
+          <a:ln w="38100">
+            <a:solidFill>
+              <a:srgbClr val="FFFF00"/>
+            </a:solidFill>
+          </a:ln>
+          <a:effectLst>
+            <a:glow rad="63500">
+              <a:schemeClr val="accent2">
+                <a:satMod val="175000"/>
+                <a:alpha val="40000"/>
+              </a:schemeClr>
+            </a:glow>
+          </a:effectLst>
+        </p:spPr>
+        <p:style>
+          <a:lnRef idx="2">
+            <a:schemeClr val="accent1">
+              <a:shade val="50000"/>
+            </a:schemeClr>
+          </a:lnRef>
+          <a:fillRef idx="1">
+            <a:schemeClr val="accent1"/>
+          </a:fillRef>
+          <a:effectRef idx="0">
+            <a:schemeClr val="accent1"/>
+          </a:effectRef>
+          <a:fontRef idx="minor">
+            <a:schemeClr val="lt1"/>
+          </a:fontRef>
+        </p:style>
+        <p:txBody>
+          <a:bodyPr rtlCol="0" anchor="ctr"/>
+          <a:lstStyle/>
+          <a:p>
+            <a:pPr algn="ctr"/>
+            <a:endParaRPr lang="en-US"/>
+          </a:p>
+        </p:txBody>
+      </p:sp>
+      <p:cxnSp>
+        <p:nvCxnSpPr>
+          <p:cNvPr id="8" name="Straight Arrow Connector 7"/>
+          <p:cNvCxnSpPr>
+            <a:cxnSpLocks/>
+            <a:stCxn id="5" idx="1"/>
+          </p:cNvCxnSpPr>
+          <p:nvPr/>
+        </p:nvCxnSpPr>
+        <p:spPr>
+          <a:xfrm flipH="1" flipV="1">
+            <a:off x="7783831" y="2743206"/>
+            <a:ext cx="1245870" cy="1433537"/>
+          </a:xfrm>
+          <a:prstGeom prst="straightConnector1">
+            <a:avLst/>
+          </a:prstGeom>
+          <a:ln w="76200">
+            <a:solidFill>
+              <a:srgbClr val="FFFF00"/>
+            </a:solidFill>
+            <a:tailEnd type="triangle"/>
+          </a:ln>
+        </p:spPr>
+        <p:style>
+          <a:lnRef idx="1">
+            <a:schemeClr val="accent1"/>
+          </a:lnRef>
+          <a:fillRef idx="0">
+            <a:schemeClr val="accent1"/>
+          </a:fillRef>
+          <a:effectRef idx="0">
+            <a:schemeClr val="accent1"/>
+          </a:effectRef>
+          <a:fontRef idx="minor">
+            <a:schemeClr val="tx1"/>
+          </a:fontRef>
+        </p:style>
+      </p:cxnSp>
+    </p:spTree>
+    <p:extLst>
+      <p:ext uri="{BB962C8B-B14F-4D97-AF65-F5344CB8AC3E}">
+        <p14:creationId xmlns:p14="http://schemas.microsoft.com/office/powerpoint/2010/main" val="219435820"/>
       </p:ext>
     </p:extLst>
   </p:cSld>
@@ -3090,7 +4729,7 @@
           <a:p>
             <a:r>
               <a:rPr lang="en-US" dirty="0"/>
-              <a:t>Steps</a:t>
+              <a:t>Procedure</a:t>
             </a:r>
           </a:p>
         </p:txBody>
@@ -3148,7 +4787,7 @@
           <a:p>
             <a:r>
               <a:rPr lang="en-US" sz="3600" dirty="0"/>
-              <a:t>Step 3: Experiment</a:t>
+              <a:t>Step 3: Pulling Experiment</a:t>
             </a:r>
           </a:p>
         </p:txBody>
@@ -3205,25 +4844,6 @@
           </a:p>
         </p:txBody>
       </p:sp>
-      <p:sp>
-        <p:nvSpPr>
-          <p:cNvPr id="3" name="Content Placeholder 2"/>
-          <p:cNvSpPr>
-            <a:spLocks noGrp="1"/>
-          </p:cNvSpPr>
-          <p:nvPr>
-            <p:ph idx="1"/>
-          </p:nvPr>
-        </p:nvSpPr>
-        <p:spPr/>
-        <p:txBody>
-          <a:bodyPr/>
-          <a:lstStyle/>
-          <a:p>
-            <a:endParaRPr lang="en-US" dirty="0"/>
-          </a:p>
-        </p:txBody>
-      </p:sp>
       <p:pic>
         <p:nvPicPr>
           <p:cNvPr id="4" name="Picture 7" descr="IMG_20110803_090416"/>
@@ -3464,7 +5084,7 @@
           <a:noFill/>
           <a:ln w="38100">
             <a:solidFill>
-              <a:srgbClr val="FF0000"/>
+              <a:srgbClr val="FFFF00"/>
             </a:solidFill>
           </a:ln>
         </p:spPr>
@@ -3603,10 +5223,33 @@
         </p:nvSpPr>
         <p:spPr/>
         <p:txBody>
-          <a:bodyPr/>
-          <a:lstStyle/>
-          <a:p>
-            <a:endParaRPr lang="en-US" dirty="0"/>
+          <a:bodyPr>
+            <a:normAutofit/>
+          </a:bodyPr>
+          <a:lstStyle/>
+          <a:p>
+            <a:r>
+              <a:rPr lang="en-US" sz="3600" b="1" dirty="0"/>
+              <a:t>Before Calibration:</a:t>
+            </a:r>
+          </a:p>
+          <a:p>
+            <a:r>
+              <a:rPr lang="en-US" sz="3200" dirty="0"/>
+              <a:t>Mount the holder to the AFM piezo properly.</a:t>
+            </a:r>
+          </a:p>
+          <a:p>
+            <a:r>
+              <a:rPr lang="en-US" sz="3200" dirty="0"/>
+              <a:t>Align the laser, to make the laser shot into the photodetector.</a:t>
+            </a:r>
+          </a:p>
+          <a:p>
+            <a:r>
+              <a:rPr lang="en-US" sz="3200" dirty="0"/>
+              <a:t>Keep the holder far from the dish surface when doing the sample scan.</a:t>
+            </a:r>
           </a:p>
         </p:txBody>
       </p:sp>
@@ -3614,6 +5257,1041 @@
     <p:extLst>
       <p:ext uri="{BB962C8B-B14F-4D97-AF65-F5344CB8AC3E}">
         <p14:creationId xmlns:p14="http://schemas.microsoft.com/office/powerpoint/2010/main" val="3467659227"/>
+      </p:ext>
+    </p:extLst>
+  </p:cSld>
+  <p:clrMapOvr>
+    <a:masterClrMapping/>
+  </p:clrMapOvr>
+</p:sld>
+</file>
+
+<file path=ppt/slides/slide6.xml><?xml version="1.0" encoding="utf-8"?>
+<p:sld xmlns:a="http://schemas.openxmlformats.org/drawingml/2006/main" xmlns:r="http://schemas.openxmlformats.org/officeDocument/2006/relationships" xmlns:p="http://schemas.openxmlformats.org/presentationml/2006/main">
+  <p:cSld>
+    <p:spTree>
+      <p:nvGrpSpPr>
+        <p:cNvPr id="1" name=""/>
+        <p:cNvGrpSpPr/>
+        <p:nvPr/>
+      </p:nvGrpSpPr>
+      <p:grpSpPr>
+        <a:xfrm>
+          <a:off x="0" y="0"/>
+          <a:ext cx="0" cy="0"/>
+          <a:chOff x="0" y="0"/>
+          <a:chExt cx="0" cy="0"/>
+        </a:xfrm>
+      </p:grpSpPr>
+      <p:sp>
+        <p:nvSpPr>
+          <p:cNvPr id="2" name="Title 1"/>
+          <p:cNvSpPr>
+            <a:spLocks noGrp="1"/>
+          </p:cNvSpPr>
+          <p:nvPr>
+            <p:ph type="title"/>
+          </p:nvPr>
+        </p:nvSpPr>
+        <p:spPr/>
+        <p:txBody>
+          <a:bodyPr/>
+          <a:lstStyle/>
+          <a:p>
+            <a:r>
+              <a:rPr lang="en-US" dirty="0"/>
+              <a:t>Step 2 – Calibration: Sample Scan</a:t>
+            </a:r>
+          </a:p>
+        </p:txBody>
+      </p:sp>
+      <p:pic>
+        <p:nvPicPr>
+          <p:cNvPr id="4" name="Content Placeholder 3"/>
+          <p:cNvPicPr>
+            <a:picLocks noGrp="1" noChangeAspect="1"/>
+          </p:cNvPicPr>
+          <p:nvPr>
+            <p:ph idx="1"/>
+          </p:nvPr>
+        </p:nvPicPr>
+        <p:blipFill>
+          <a:blip r:embed="rId2">
+            <a:extLst>
+              <a:ext uri="{28A0092B-C50C-407E-A947-70E740481C1C}">
+                <a14:useLocalDpi xmlns:a14="http://schemas.microsoft.com/office/drawing/2010/main" val="0"/>
+              </a:ext>
+            </a:extLst>
+          </a:blip>
+          <a:stretch>
+            <a:fillRect/>
+          </a:stretch>
+        </p:blipFill>
+        <p:spPr>
+          <a:xfrm>
+            <a:off x="142557" y="1431988"/>
+            <a:ext cx="8967154" cy="5380292"/>
+          </a:xfrm>
+        </p:spPr>
+      </p:pic>
+      <p:sp>
+        <p:nvSpPr>
+          <p:cNvPr id="5" name="Rectangle 4"/>
+          <p:cNvSpPr/>
+          <p:nvPr/>
+        </p:nvSpPr>
+        <p:spPr>
+          <a:xfrm>
+            <a:off x="2320290" y="2018086"/>
+            <a:ext cx="754380" cy="262890"/>
+          </a:xfrm>
+          <a:prstGeom prst="rect">
+            <a:avLst/>
+          </a:prstGeom>
+          <a:noFill/>
+          <a:ln w="38100">
+            <a:solidFill>
+              <a:srgbClr val="FFFF00"/>
+            </a:solidFill>
+          </a:ln>
+          <a:effectLst>
+            <a:glow rad="63500">
+              <a:schemeClr val="accent2">
+                <a:satMod val="175000"/>
+                <a:alpha val="40000"/>
+              </a:schemeClr>
+            </a:glow>
+          </a:effectLst>
+        </p:spPr>
+        <p:style>
+          <a:lnRef idx="2">
+            <a:schemeClr val="accent1">
+              <a:shade val="50000"/>
+            </a:schemeClr>
+          </a:lnRef>
+          <a:fillRef idx="1">
+            <a:schemeClr val="accent1"/>
+          </a:fillRef>
+          <a:effectRef idx="0">
+            <a:schemeClr val="accent1"/>
+          </a:effectRef>
+          <a:fontRef idx="minor">
+            <a:schemeClr val="lt1"/>
+          </a:fontRef>
+        </p:style>
+        <p:txBody>
+          <a:bodyPr rtlCol="0" anchor="ctr"/>
+          <a:lstStyle/>
+          <a:p>
+            <a:pPr algn="ctr"/>
+            <a:endParaRPr lang="en-US"/>
+          </a:p>
+        </p:txBody>
+      </p:sp>
+      <p:sp>
+        <p:nvSpPr>
+          <p:cNvPr id="6" name="Rectangle 5"/>
+          <p:cNvSpPr/>
+          <p:nvPr/>
+        </p:nvSpPr>
+        <p:spPr>
+          <a:xfrm>
+            <a:off x="4217670" y="2018086"/>
+            <a:ext cx="1129665" cy="262890"/>
+          </a:xfrm>
+          <a:prstGeom prst="rect">
+            <a:avLst/>
+          </a:prstGeom>
+          <a:noFill/>
+          <a:ln w="38100">
+            <a:solidFill>
+              <a:srgbClr val="FFFF00"/>
+            </a:solidFill>
+          </a:ln>
+          <a:effectLst>
+            <a:glow rad="63500">
+              <a:schemeClr val="accent2">
+                <a:satMod val="175000"/>
+                <a:alpha val="40000"/>
+              </a:schemeClr>
+            </a:glow>
+          </a:effectLst>
+        </p:spPr>
+        <p:style>
+          <a:lnRef idx="2">
+            <a:schemeClr val="accent1">
+              <a:shade val="50000"/>
+            </a:schemeClr>
+          </a:lnRef>
+          <a:fillRef idx="1">
+            <a:schemeClr val="accent1"/>
+          </a:fillRef>
+          <a:effectRef idx="0">
+            <a:schemeClr val="accent1"/>
+          </a:effectRef>
+          <a:fontRef idx="minor">
+            <a:schemeClr val="lt1"/>
+          </a:fontRef>
+        </p:style>
+        <p:txBody>
+          <a:bodyPr rtlCol="0" anchor="ctr"/>
+          <a:lstStyle/>
+          <a:p>
+            <a:pPr algn="ctr"/>
+            <a:endParaRPr lang="en-US"/>
+          </a:p>
+        </p:txBody>
+      </p:sp>
+      <p:sp>
+        <p:nvSpPr>
+          <p:cNvPr id="7" name="Rectangle 6"/>
+          <p:cNvSpPr/>
+          <p:nvPr/>
+        </p:nvSpPr>
+        <p:spPr>
+          <a:xfrm>
+            <a:off x="2880360" y="2748630"/>
+            <a:ext cx="2320290" cy="1583340"/>
+          </a:xfrm>
+          <a:prstGeom prst="rect">
+            <a:avLst/>
+          </a:prstGeom>
+          <a:noFill/>
+          <a:ln w="38100">
+            <a:solidFill>
+              <a:srgbClr val="FFFF00"/>
+            </a:solidFill>
+          </a:ln>
+          <a:effectLst>
+            <a:glow rad="63500">
+              <a:schemeClr val="accent2">
+                <a:satMod val="175000"/>
+                <a:alpha val="40000"/>
+              </a:schemeClr>
+            </a:glow>
+          </a:effectLst>
+        </p:spPr>
+        <p:style>
+          <a:lnRef idx="2">
+            <a:schemeClr val="accent1">
+              <a:shade val="50000"/>
+            </a:schemeClr>
+          </a:lnRef>
+          <a:fillRef idx="1">
+            <a:schemeClr val="accent1"/>
+          </a:fillRef>
+          <a:effectRef idx="0">
+            <a:schemeClr val="accent1"/>
+          </a:effectRef>
+          <a:fontRef idx="minor">
+            <a:schemeClr val="lt1"/>
+          </a:fontRef>
+        </p:style>
+        <p:txBody>
+          <a:bodyPr rtlCol="0" anchor="ctr"/>
+          <a:lstStyle/>
+          <a:p>
+            <a:pPr algn="ctr"/>
+            <a:endParaRPr lang="en-US"/>
+          </a:p>
+        </p:txBody>
+      </p:sp>
+      <p:sp>
+        <p:nvSpPr>
+          <p:cNvPr id="8" name="TextBox 7"/>
+          <p:cNvSpPr txBox="1"/>
+          <p:nvPr/>
+        </p:nvSpPr>
+        <p:spPr>
+          <a:xfrm>
+            <a:off x="9109711" y="2018086"/>
+            <a:ext cx="3082289" cy="4247317"/>
+          </a:xfrm>
+          <a:prstGeom prst="rect">
+            <a:avLst/>
+          </a:prstGeom>
+          <a:noFill/>
+        </p:spPr>
+        <p:txBody>
+          <a:bodyPr wrap="square" rtlCol="0">
+            <a:spAutoFit/>
+          </a:bodyPr>
+          <a:lstStyle/>
+          <a:p>
+            <a:r>
+              <a:rPr lang="en-US" sz="2800" b="1" dirty="0"/>
+              <a:t>Sample Scan Parameters:</a:t>
+            </a:r>
+          </a:p>
+          <a:p>
+            <a:r>
+              <a:rPr lang="en-US" sz="2000" b="1" i="1" dirty="0"/>
+              <a:t>Range</a:t>
+            </a:r>
+            <a:r>
+              <a:rPr lang="en-US" sz="2000" dirty="0"/>
+              <a:t>: 1.024 V (default)</a:t>
+            </a:r>
+          </a:p>
+          <a:p>
+            <a:r>
+              <a:rPr lang="en-US" sz="2000" dirty="0"/>
+              <a:t>Change to a higher value when necessary, for example, when using a smaller cantilever.</a:t>
+            </a:r>
+          </a:p>
+          <a:p>
+            <a:endParaRPr lang="en-US" dirty="0"/>
+          </a:p>
+          <a:p>
+            <a:r>
+              <a:rPr lang="en-US" sz="3200" b="1" dirty="0"/>
+              <a:t>Save at least </a:t>
+            </a:r>
+            <a:r>
+              <a:rPr lang="en-US" sz="3200" b="1" dirty="0">
+                <a:solidFill>
+                  <a:srgbClr val="FF0000"/>
+                </a:solidFill>
+              </a:rPr>
+              <a:t>5 good sample scans</a:t>
+            </a:r>
+            <a:r>
+              <a:rPr lang="en-US" sz="3200" b="1" dirty="0"/>
+              <a:t>.</a:t>
+            </a:r>
+          </a:p>
+        </p:txBody>
+      </p:sp>
+    </p:spTree>
+    <p:extLst>
+      <p:ext uri="{BB962C8B-B14F-4D97-AF65-F5344CB8AC3E}">
+        <p14:creationId xmlns:p14="http://schemas.microsoft.com/office/powerpoint/2010/main" val="4068122636"/>
+      </p:ext>
+    </p:extLst>
+  </p:cSld>
+  <p:clrMapOvr>
+    <a:masterClrMapping/>
+  </p:clrMapOvr>
+</p:sld>
+</file>
+
+<file path=ppt/slides/slide7.xml><?xml version="1.0" encoding="utf-8"?>
+<p:sld xmlns:a="http://schemas.openxmlformats.org/drawingml/2006/main" xmlns:r="http://schemas.openxmlformats.org/officeDocument/2006/relationships" xmlns:p="http://schemas.openxmlformats.org/presentationml/2006/main">
+  <p:cSld>
+    <p:spTree>
+      <p:nvGrpSpPr>
+        <p:cNvPr id="1" name=""/>
+        <p:cNvGrpSpPr/>
+        <p:nvPr/>
+      </p:nvGrpSpPr>
+      <p:grpSpPr>
+        <a:xfrm>
+          <a:off x="0" y="0"/>
+          <a:ext cx="0" cy="0"/>
+          <a:chOff x="0" y="0"/>
+          <a:chExt cx="0" cy="0"/>
+        </a:xfrm>
+      </p:grpSpPr>
+      <p:sp>
+        <p:nvSpPr>
+          <p:cNvPr id="2" name="Title 1"/>
+          <p:cNvSpPr>
+            <a:spLocks noGrp="1"/>
+          </p:cNvSpPr>
+          <p:nvPr>
+            <p:ph type="title"/>
+          </p:nvPr>
+        </p:nvSpPr>
+        <p:spPr/>
+        <p:txBody>
+          <a:bodyPr/>
+          <a:lstStyle/>
+          <a:p>
+            <a:r>
+              <a:rPr lang="en-US" dirty="0"/>
+              <a:t>Step 2 – Calibration: Sample Scan</a:t>
+            </a:r>
+            <a:endParaRPr lang="en-US" dirty="0"/>
+          </a:p>
+        </p:txBody>
+      </p:sp>
+      <p:pic>
+        <p:nvPicPr>
+          <p:cNvPr id="4" name="Content Placeholder 3"/>
+          <p:cNvPicPr>
+            <a:picLocks noGrp="1" noChangeAspect="1"/>
+          </p:cNvPicPr>
+          <p:nvPr>
+            <p:ph idx="1"/>
+          </p:nvPr>
+        </p:nvPicPr>
+        <p:blipFill rotWithShape="1">
+          <a:blip r:embed="rId2">
+            <a:extLst>
+              <a:ext uri="{28A0092B-C50C-407E-A947-70E740481C1C}">
+                <a14:useLocalDpi xmlns:a14="http://schemas.microsoft.com/office/drawing/2010/main" val="0"/>
+              </a:ext>
+            </a:extLst>
+          </a:blip>
+          <a:srcRect/>
+          <a:stretch/>
+        </p:blipFill>
+        <p:spPr>
+          <a:xfrm>
+            <a:off x="1227812" y="1863089"/>
+            <a:ext cx="9736375" cy="3606313"/>
+          </a:xfrm>
+        </p:spPr>
+      </p:pic>
+      <p:sp>
+        <p:nvSpPr>
+          <p:cNvPr id="5" name="TextBox 4"/>
+          <p:cNvSpPr txBox="1"/>
+          <p:nvPr/>
+        </p:nvSpPr>
+        <p:spPr>
+          <a:xfrm>
+            <a:off x="2053867" y="5749290"/>
+            <a:ext cx="8084264" cy="707886"/>
+          </a:xfrm>
+          <a:prstGeom prst="rect">
+            <a:avLst/>
+          </a:prstGeom>
+          <a:noFill/>
+        </p:spPr>
+        <p:txBody>
+          <a:bodyPr wrap="none" rtlCol="0">
+            <a:spAutoFit/>
+          </a:bodyPr>
+          <a:lstStyle/>
+          <a:p>
+            <a:r>
+              <a:rPr lang="en-US" sz="4000" dirty="0"/>
+              <a:t>An example of good Sample Scan.</a:t>
+            </a:r>
+          </a:p>
+        </p:txBody>
+      </p:sp>
+    </p:spTree>
+    <p:extLst>
+      <p:ext uri="{BB962C8B-B14F-4D97-AF65-F5344CB8AC3E}">
+        <p14:creationId xmlns:p14="http://schemas.microsoft.com/office/powerpoint/2010/main" val="934016453"/>
+      </p:ext>
+    </p:extLst>
+  </p:cSld>
+  <p:clrMapOvr>
+    <a:masterClrMapping/>
+  </p:clrMapOvr>
+</p:sld>
+</file>
+
+<file path=ppt/slides/slide8.xml><?xml version="1.0" encoding="utf-8"?>
+<p:sld xmlns:a="http://schemas.openxmlformats.org/drawingml/2006/main" xmlns:r="http://schemas.openxmlformats.org/officeDocument/2006/relationships" xmlns:p="http://schemas.openxmlformats.org/presentationml/2006/main">
+  <p:cSld>
+    <p:spTree>
+      <p:nvGrpSpPr>
+        <p:cNvPr id="1" name=""/>
+        <p:cNvGrpSpPr/>
+        <p:nvPr/>
+      </p:nvGrpSpPr>
+      <p:grpSpPr>
+        <a:xfrm>
+          <a:off x="0" y="0"/>
+          <a:ext cx="0" cy="0"/>
+          <a:chOff x="0" y="0"/>
+          <a:chExt cx="0" cy="0"/>
+        </a:xfrm>
+      </p:grpSpPr>
+      <p:sp>
+        <p:nvSpPr>
+          <p:cNvPr id="2" name="Title 1"/>
+          <p:cNvSpPr>
+            <a:spLocks noGrp="1"/>
+          </p:cNvSpPr>
+          <p:nvPr>
+            <p:ph type="title"/>
+          </p:nvPr>
+        </p:nvSpPr>
+        <p:spPr/>
+        <p:txBody>
+          <a:bodyPr/>
+          <a:lstStyle/>
+          <a:p>
+            <a:r>
+              <a:rPr lang="en-US" dirty="0"/>
+              <a:t>Step 2 – Calibration: Hard Scan</a:t>
+            </a:r>
+            <a:endParaRPr lang="en-US" dirty="0"/>
+          </a:p>
+        </p:txBody>
+      </p:sp>
+      <p:sp>
+        <p:nvSpPr>
+          <p:cNvPr id="3" name="Content Placeholder 2"/>
+          <p:cNvSpPr>
+            <a:spLocks noGrp="1"/>
+          </p:cNvSpPr>
+          <p:nvPr>
+            <p:ph idx="1"/>
+          </p:nvPr>
+        </p:nvSpPr>
+        <p:spPr/>
+        <p:txBody>
+          <a:bodyPr/>
+          <a:lstStyle/>
+          <a:p>
+            <a:r>
+              <a:rPr lang="en-US" dirty="0"/>
+              <a:t>Approach the cantilever to the dish surface first.</a:t>
+            </a:r>
+          </a:p>
+          <a:p>
+            <a:r>
+              <a:rPr lang="en-US" dirty="0"/>
+              <a:t>Check the </a:t>
+            </a:r>
+            <a:r>
+              <a:rPr lang="en-US" b="1" dirty="0">
+                <a:solidFill>
+                  <a:srgbClr val="FF0000"/>
+                </a:solidFill>
+              </a:rPr>
+              <a:t>sensitivity</a:t>
+            </a:r>
+            <a:r>
+              <a:rPr lang="en-US" dirty="0"/>
+              <a:t> of the reflection signal.</a:t>
+            </a:r>
+          </a:p>
+        </p:txBody>
+      </p:sp>
+      <p:pic>
+        <p:nvPicPr>
+          <p:cNvPr id="4" name="Picture 3"/>
+          <p:cNvPicPr>
+            <a:picLocks noChangeAspect="1"/>
+          </p:cNvPicPr>
+          <p:nvPr/>
+        </p:nvPicPr>
+        <p:blipFill rotWithShape="1">
+          <a:blip r:embed="rId2">
+            <a:extLst>
+              <a:ext uri="{28A0092B-C50C-407E-A947-70E740481C1C}">
+                <a14:useLocalDpi xmlns:a14="http://schemas.microsoft.com/office/drawing/2010/main" val="0"/>
+              </a:ext>
+            </a:extLst>
+          </a:blip>
+          <a:srcRect/>
+          <a:stretch/>
+        </p:blipFill>
+        <p:spPr>
+          <a:xfrm>
+            <a:off x="118110" y="2840989"/>
+            <a:ext cx="4033617" cy="2194560"/>
+          </a:xfrm>
+          <a:prstGeom prst="rect">
+            <a:avLst/>
+          </a:prstGeom>
+        </p:spPr>
+      </p:pic>
+      <p:pic>
+        <p:nvPicPr>
+          <p:cNvPr id="6" name="Picture 5"/>
+          <p:cNvPicPr>
+            <a:picLocks noChangeAspect="1"/>
+          </p:cNvPicPr>
+          <p:nvPr/>
+        </p:nvPicPr>
+        <p:blipFill rotWithShape="1">
+          <a:blip r:embed="rId3">
+            <a:extLst>
+              <a:ext uri="{28A0092B-C50C-407E-A947-70E740481C1C}">
+                <a14:useLocalDpi xmlns:a14="http://schemas.microsoft.com/office/drawing/2010/main" val="0"/>
+              </a:ext>
+            </a:extLst>
+          </a:blip>
+          <a:srcRect/>
+          <a:stretch/>
+        </p:blipFill>
+        <p:spPr>
+          <a:xfrm>
+            <a:off x="4218172" y="2840989"/>
+            <a:ext cx="3932963" cy="2194560"/>
+          </a:xfrm>
+          <a:prstGeom prst="rect">
+            <a:avLst/>
+          </a:prstGeom>
+        </p:spPr>
+      </p:pic>
+      <p:pic>
+        <p:nvPicPr>
+          <p:cNvPr id="7" name="Picture 6"/>
+          <p:cNvPicPr>
+            <a:picLocks noChangeAspect="1"/>
+          </p:cNvPicPr>
+          <p:nvPr/>
+        </p:nvPicPr>
+        <p:blipFill rotWithShape="1">
+          <a:blip r:embed="rId4">
+            <a:extLst>
+              <a:ext uri="{28A0092B-C50C-407E-A947-70E740481C1C}">
+                <a14:useLocalDpi xmlns:a14="http://schemas.microsoft.com/office/drawing/2010/main" val="0"/>
+              </a:ext>
+            </a:extLst>
+          </a:blip>
+          <a:srcRect t="3313" r="430" b="1003"/>
+          <a:stretch/>
+        </p:blipFill>
+        <p:spPr>
+          <a:xfrm>
+            <a:off x="8217580" y="2840989"/>
+            <a:ext cx="3864497" cy="2194560"/>
+          </a:xfrm>
+          <a:prstGeom prst="rect">
+            <a:avLst/>
+          </a:prstGeom>
+        </p:spPr>
+      </p:pic>
+      <p:sp>
+        <p:nvSpPr>
+          <p:cNvPr id="8" name="TextBox 7"/>
+          <p:cNvSpPr txBox="1"/>
+          <p:nvPr/>
+        </p:nvSpPr>
+        <p:spPr>
+          <a:xfrm>
+            <a:off x="118110" y="5090618"/>
+            <a:ext cx="4033617" cy="954107"/>
+          </a:xfrm>
+          <a:prstGeom prst="rect">
+            <a:avLst/>
+          </a:prstGeom>
+          <a:noFill/>
+        </p:spPr>
+        <p:txBody>
+          <a:bodyPr wrap="square" rtlCol="0">
+            <a:spAutoFit/>
+          </a:bodyPr>
+          <a:lstStyle/>
+          <a:p>
+            <a:r>
+              <a:rPr lang="en-US" sz="2800" b="1" dirty="0"/>
+              <a:t>Beginning</a:t>
+            </a:r>
+            <a:r>
+              <a:rPr lang="en-US" sz="2800" dirty="0"/>
+              <a:t>: cantilever is far from dish surface.</a:t>
+            </a:r>
+          </a:p>
+        </p:txBody>
+      </p:sp>
+      <p:sp>
+        <p:nvSpPr>
+          <p:cNvPr id="9" name="TextBox 8"/>
+          <p:cNvSpPr txBox="1"/>
+          <p:nvPr/>
+        </p:nvSpPr>
+        <p:spPr>
+          <a:xfrm>
+            <a:off x="4218172" y="5090618"/>
+            <a:ext cx="4033617" cy="954107"/>
+          </a:xfrm>
+          <a:prstGeom prst="rect">
+            <a:avLst/>
+          </a:prstGeom>
+          <a:noFill/>
+        </p:spPr>
+        <p:txBody>
+          <a:bodyPr wrap="square" rtlCol="0">
+            <a:spAutoFit/>
+          </a:bodyPr>
+          <a:lstStyle/>
+          <a:p>
+            <a:r>
+              <a:rPr lang="en-US" sz="2800" dirty="0"/>
+              <a:t>Cantilever touches dish surface. (signal jumps)</a:t>
+            </a:r>
+          </a:p>
+        </p:txBody>
+      </p:sp>
+      <p:sp>
+        <p:nvSpPr>
+          <p:cNvPr id="10" name="TextBox 9"/>
+          <p:cNvSpPr txBox="1"/>
+          <p:nvPr/>
+        </p:nvSpPr>
+        <p:spPr>
+          <a:xfrm>
+            <a:off x="8217580" y="5090618"/>
+            <a:ext cx="3974421" cy="1815882"/>
+          </a:xfrm>
+          <a:prstGeom prst="rect">
+            <a:avLst/>
+          </a:prstGeom>
+          <a:noFill/>
+        </p:spPr>
+        <p:txBody>
+          <a:bodyPr wrap="square" rtlCol="0">
+            <a:spAutoFit/>
+          </a:bodyPr>
+          <a:lstStyle/>
+          <a:p>
+            <a:r>
+              <a:rPr lang="en-US" sz="2800" dirty="0"/>
+              <a:t>Cantilever continues to move down a little. (signal disappears) </a:t>
+            </a:r>
+            <a:r>
+              <a:rPr lang="en-US" sz="2800" b="1" dirty="0">
+                <a:solidFill>
+                  <a:srgbClr val="FF0000"/>
+                </a:solidFill>
+              </a:rPr>
+              <a:t>Lift it back immediately!</a:t>
+            </a:r>
+            <a:endParaRPr lang="en-US" sz="2800" dirty="0"/>
+          </a:p>
+        </p:txBody>
+      </p:sp>
+    </p:spTree>
+    <p:extLst>
+      <p:ext uri="{BB962C8B-B14F-4D97-AF65-F5344CB8AC3E}">
+        <p14:creationId xmlns:p14="http://schemas.microsoft.com/office/powerpoint/2010/main" val="3406174857"/>
+      </p:ext>
+    </p:extLst>
+  </p:cSld>
+  <p:clrMapOvr>
+    <a:masterClrMapping/>
+  </p:clrMapOvr>
+</p:sld>
+</file>
+
+<file path=ppt/slides/slide9.xml><?xml version="1.0" encoding="utf-8"?>
+<p:sld xmlns:a="http://schemas.openxmlformats.org/drawingml/2006/main" xmlns:r="http://schemas.openxmlformats.org/officeDocument/2006/relationships" xmlns:p="http://schemas.openxmlformats.org/presentationml/2006/main">
+  <p:cSld>
+    <p:spTree>
+      <p:nvGrpSpPr>
+        <p:cNvPr id="1" name=""/>
+        <p:cNvGrpSpPr/>
+        <p:nvPr/>
+      </p:nvGrpSpPr>
+      <p:grpSpPr>
+        <a:xfrm>
+          <a:off x="0" y="0"/>
+          <a:ext cx="0" cy="0"/>
+          <a:chOff x="0" y="0"/>
+          <a:chExt cx="0" cy="0"/>
+        </a:xfrm>
+      </p:grpSpPr>
+      <p:sp>
+        <p:nvSpPr>
+          <p:cNvPr id="2" name="Title 1"/>
+          <p:cNvSpPr>
+            <a:spLocks noGrp="1"/>
+          </p:cNvSpPr>
+          <p:nvPr>
+            <p:ph type="title"/>
+          </p:nvPr>
+        </p:nvSpPr>
+        <p:spPr/>
+        <p:txBody>
+          <a:bodyPr/>
+          <a:lstStyle/>
+          <a:p>
+            <a:r>
+              <a:rPr lang="en-US" dirty="0"/>
+              <a:t>Step 2 – Calibration: Hard Scan</a:t>
+            </a:r>
+            <a:endParaRPr lang="en-US" dirty="0"/>
+          </a:p>
+        </p:txBody>
+      </p:sp>
+      <p:pic>
+        <p:nvPicPr>
+          <p:cNvPr id="4" name="Content Placeholder 3"/>
+          <p:cNvPicPr>
+            <a:picLocks noGrp="1" noChangeAspect="1"/>
+          </p:cNvPicPr>
+          <p:nvPr>
+            <p:ph idx="1"/>
+          </p:nvPr>
+        </p:nvPicPr>
+        <p:blipFill rotWithShape="1">
+          <a:blip r:embed="rId2">
+            <a:extLst>
+              <a:ext uri="{28A0092B-C50C-407E-A947-70E740481C1C}">
+                <a14:useLocalDpi xmlns:a14="http://schemas.microsoft.com/office/drawing/2010/main" val="0"/>
+              </a:ext>
+            </a:extLst>
+          </a:blip>
+          <a:srcRect/>
+          <a:stretch/>
+        </p:blipFill>
+        <p:spPr>
+          <a:xfrm>
+            <a:off x="5753100" y="1457151"/>
+            <a:ext cx="4572000" cy="5243378"/>
+          </a:xfrm>
+        </p:spPr>
+      </p:pic>
+      <p:sp>
+        <p:nvSpPr>
+          <p:cNvPr id="5" name="TextBox 4"/>
+          <p:cNvSpPr txBox="1"/>
+          <p:nvPr/>
+        </p:nvSpPr>
+        <p:spPr>
+          <a:xfrm>
+            <a:off x="960120" y="1457151"/>
+            <a:ext cx="5013960" cy="5016758"/>
+          </a:xfrm>
+          <a:prstGeom prst="rect">
+            <a:avLst/>
+          </a:prstGeom>
+          <a:noFill/>
+        </p:spPr>
+        <p:txBody>
+          <a:bodyPr wrap="square" rtlCol="0">
+            <a:spAutoFit/>
+          </a:bodyPr>
+          <a:lstStyle/>
+          <a:p>
+            <a:r>
+              <a:rPr lang="en-US" sz="3200" b="1" dirty="0"/>
+              <a:t>Menu Bar</a:t>
+            </a:r>
+            <a:r>
+              <a:rPr lang="en-US" sz="3200" dirty="0"/>
+              <a:t>: click </a:t>
+            </a:r>
+            <a:r>
+              <a:rPr lang="en-US" sz="3200" b="1" dirty="0" err="1">
+                <a:solidFill>
+                  <a:srgbClr val="FF0000"/>
+                </a:solidFill>
+              </a:rPr>
+              <a:t>DispFScanParameters</a:t>
+            </a:r>
+            <a:r>
+              <a:rPr lang="en-US" sz="3200" dirty="0"/>
+              <a:t>.</a:t>
+            </a:r>
+          </a:p>
+          <a:p>
+            <a:endParaRPr lang="en-US" sz="3200" dirty="0"/>
+          </a:p>
+          <a:p>
+            <a:r>
+              <a:rPr lang="en-US" sz="3200" dirty="0"/>
+              <a:t>Dwell time: 0</a:t>
+            </a:r>
+          </a:p>
+          <a:p>
+            <a:endParaRPr lang="en-US" sz="3200" dirty="0"/>
+          </a:p>
+          <a:p>
+            <a:r>
+              <a:rPr lang="en-US" sz="3200" dirty="0"/>
+              <a:t>Max signal (mV): -4000</a:t>
+            </a:r>
+          </a:p>
+          <a:p>
+            <a:endParaRPr lang="en-US" sz="3200" dirty="0"/>
+          </a:p>
+          <a:p>
+            <a:r>
+              <a:rPr lang="en-US" sz="3200" dirty="0"/>
+              <a:t>Feedback ON</a:t>
+            </a:r>
+          </a:p>
+          <a:p>
+            <a:endParaRPr lang="en-US" sz="3200" dirty="0"/>
+          </a:p>
+          <a:p>
+            <a:r>
+              <a:rPr lang="en-US" sz="3200" dirty="0"/>
+              <a:t>Click </a:t>
+            </a:r>
+            <a:r>
+              <a:rPr lang="en-US" sz="3200" b="1" dirty="0" err="1">
+                <a:solidFill>
+                  <a:srgbClr val="FF0000"/>
+                </a:solidFill>
+              </a:rPr>
+              <a:t>DoForceScan</a:t>
+            </a:r>
+            <a:r>
+              <a:rPr lang="en-US" sz="3200" dirty="0"/>
+              <a:t>.</a:t>
+            </a:r>
+          </a:p>
+        </p:txBody>
+      </p:sp>
+      <p:sp>
+        <p:nvSpPr>
+          <p:cNvPr id="6" name="Rectangle 5"/>
+          <p:cNvSpPr/>
+          <p:nvPr/>
+        </p:nvSpPr>
+        <p:spPr>
+          <a:xfrm>
+            <a:off x="8000999" y="6241473"/>
+            <a:ext cx="1330037" cy="347480"/>
+          </a:xfrm>
+          <a:prstGeom prst="rect">
+            <a:avLst/>
+          </a:prstGeom>
+          <a:noFill/>
+          <a:ln w="38100">
+            <a:solidFill>
+              <a:srgbClr val="FFFF00"/>
+            </a:solidFill>
+          </a:ln>
+          <a:effectLst>
+            <a:glow rad="63500">
+              <a:schemeClr val="accent2">
+                <a:satMod val="175000"/>
+                <a:alpha val="40000"/>
+              </a:schemeClr>
+            </a:glow>
+          </a:effectLst>
+        </p:spPr>
+        <p:style>
+          <a:lnRef idx="2">
+            <a:schemeClr val="accent1">
+              <a:shade val="50000"/>
+            </a:schemeClr>
+          </a:lnRef>
+          <a:fillRef idx="1">
+            <a:schemeClr val="accent1"/>
+          </a:fillRef>
+          <a:effectRef idx="0">
+            <a:schemeClr val="accent1"/>
+          </a:effectRef>
+          <a:fontRef idx="minor">
+            <a:schemeClr val="lt1"/>
+          </a:fontRef>
+        </p:style>
+        <p:txBody>
+          <a:bodyPr rtlCol="0" anchor="ctr"/>
+          <a:lstStyle/>
+          <a:p>
+            <a:pPr algn="ctr"/>
+            <a:endParaRPr lang="en-US"/>
+          </a:p>
+        </p:txBody>
+      </p:sp>
+      <p:sp>
+        <p:nvSpPr>
+          <p:cNvPr id="7" name="Rectangle 6"/>
+          <p:cNvSpPr/>
+          <p:nvPr/>
+        </p:nvSpPr>
+        <p:spPr>
+          <a:xfrm>
+            <a:off x="5778500" y="3678717"/>
+            <a:ext cx="3378200" cy="264633"/>
+          </a:xfrm>
+          <a:prstGeom prst="rect">
+            <a:avLst/>
+          </a:prstGeom>
+          <a:noFill/>
+          <a:ln w="38100">
+            <a:solidFill>
+              <a:srgbClr val="FFFF00"/>
+            </a:solidFill>
+          </a:ln>
+          <a:effectLst>
+            <a:glow rad="63500">
+              <a:schemeClr val="accent2">
+                <a:satMod val="175000"/>
+                <a:alpha val="40000"/>
+              </a:schemeClr>
+            </a:glow>
+          </a:effectLst>
+        </p:spPr>
+        <p:style>
+          <a:lnRef idx="2">
+            <a:schemeClr val="accent1">
+              <a:shade val="50000"/>
+            </a:schemeClr>
+          </a:lnRef>
+          <a:fillRef idx="1">
+            <a:schemeClr val="accent1"/>
+          </a:fillRef>
+          <a:effectRef idx="0">
+            <a:schemeClr val="accent1"/>
+          </a:effectRef>
+          <a:fontRef idx="minor">
+            <a:schemeClr val="lt1"/>
+          </a:fontRef>
+        </p:style>
+        <p:txBody>
+          <a:bodyPr rtlCol="0" anchor="ctr"/>
+          <a:lstStyle/>
+          <a:p>
+            <a:pPr algn="ctr"/>
+            <a:endParaRPr lang="en-US"/>
+          </a:p>
+        </p:txBody>
+      </p:sp>
+      <p:sp>
+        <p:nvSpPr>
+          <p:cNvPr id="8" name="Rectangle 7"/>
+          <p:cNvSpPr/>
+          <p:nvPr/>
+        </p:nvSpPr>
+        <p:spPr>
+          <a:xfrm>
+            <a:off x="5778500" y="5035376"/>
+            <a:ext cx="1746539" cy="312479"/>
+          </a:xfrm>
+          <a:prstGeom prst="rect">
+            <a:avLst/>
+          </a:prstGeom>
+          <a:noFill/>
+          <a:ln w="38100">
+            <a:solidFill>
+              <a:srgbClr val="FFFF00"/>
+            </a:solidFill>
+          </a:ln>
+          <a:effectLst>
+            <a:glow rad="63500">
+              <a:schemeClr val="accent2">
+                <a:satMod val="175000"/>
+                <a:alpha val="40000"/>
+              </a:schemeClr>
+            </a:glow>
+          </a:effectLst>
+        </p:spPr>
+        <p:style>
+          <a:lnRef idx="2">
+            <a:schemeClr val="accent1">
+              <a:shade val="50000"/>
+            </a:schemeClr>
+          </a:lnRef>
+          <a:fillRef idx="1">
+            <a:schemeClr val="accent1"/>
+          </a:fillRef>
+          <a:effectRef idx="0">
+            <a:schemeClr val="accent1"/>
+          </a:effectRef>
+          <a:fontRef idx="minor">
+            <a:schemeClr val="lt1"/>
+          </a:fontRef>
+        </p:style>
+        <p:txBody>
+          <a:bodyPr rtlCol="0" anchor="ctr"/>
+          <a:lstStyle/>
+          <a:p>
+            <a:pPr algn="ctr"/>
+            <a:endParaRPr lang="en-US"/>
+          </a:p>
+        </p:txBody>
+      </p:sp>
+    </p:spTree>
+    <p:extLst>
+      <p:ext uri="{BB962C8B-B14F-4D97-AF65-F5344CB8AC3E}">
+        <p14:creationId xmlns:p14="http://schemas.microsoft.com/office/powerpoint/2010/main" val="4134837592"/>
       </p:ext>
     </p:extLst>
   </p:cSld>
